--- a/Trabalho Pratico.pptx
+++ b/Trabalho Pratico.pptx
@@ -2,16 +2,16 @@
 <file path=ppt/presentation.xml><?xml version="1.0" encoding="utf-8"?>
 <p:presentation xmlns:a="http://schemas.openxmlformats.org/drawingml/2006/main" xmlns:r="http://schemas.openxmlformats.org/officeDocument/2006/relationships" xmlns:p="http://schemas.openxmlformats.org/presentationml/2006/main" saveSubsetFonts="1">
   <p:sldMasterIdLst>
-    <p:sldMasterId id="2147483677" r:id="rId1"/>
+    <p:sldMasterId id="2147483748" r:id="rId1"/>
   </p:sldMasterIdLst>
   <p:sldIdLst>
     <p:sldId id="256" r:id="rId2"/>
     <p:sldId id="257" r:id="rId3"/>
     <p:sldId id="263" r:id="rId4"/>
-    <p:sldId id="260" r:id="rId5"/>
-    <p:sldId id="264" r:id="rId6"/>
-    <p:sldId id="265" r:id="rId7"/>
-    <p:sldId id="262" r:id="rId8"/>
+    <p:sldId id="264" r:id="rId5"/>
+    <p:sldId id="266" r:id="rId6"/>
+    <p:sldId id="267" r:id="rId7"/>
+    <p:sldId id="265" r:id="rId8"/>
     <p:sldId id="261" r:id="rId9"/>
   </p:sldIdLst>
   <p:sldSz cx="12192000" cy="6858000"/>
@@ -4395,7 +4395,7 @@
           <a:p>
             <a:fld id="{F6EEB388-807B-4447-B979-D1202882E91D}" type="datetimeFigureOut">
               <a:rPr lang="en-GB" smtClean="0"/>
-              <a:t>23/01/2018</a:t>
+              <a:t>25/01/2018</a:t>
             </a:fld>
             <a:endParaRPr lang="en-GB"/>
           </a:p>
@@ -4456,20 +4456,20 @@
     </p:spTree>
     <p:extLst>
       <p:ext uri="{BB962C8B-B14F-4D97-AF65-F5344CB8AC3E}">
-        <p14:creationId xmlns:p14="http://schemas.microsoft.com/office/powerpoint/2010/main" val="612780727"/>
+        <p14:creationId xmlns:p14="http://schemas.microsoft.com/office/powerpoint/2010/main" val="3833444050"/>
       </p:ext>
     </p:extLst>
   </p:cSld>
   <p:clrMapOvr>
     <a:masterClrMapping/>
   </p:clrMapOvr>
-  <mc:AlternateContent xmlns:mc="http://schemas.openxmlformats.org/markup-compatibility/2006">
-    <mc:Choice xmlns:p14="http://schemas.microsoft.com/office/powerpoint/2010/main" Requires="p14">
+  <mc:AlternateContent xmlns:mc="http://schemas.openxmlformats.org/markup-compatibility/2006" xmlns:p14="http://schemas.microsoft.com/office/powerpoint/2010/main">
+    <mc:Choice Requires="p14">
       <p:transition spd="slow">
         <p14:prism/>
       </p:transition>
     </mc:Choice>
-    <mc:Fallback>
+    <mc:Fallback xmlns="">
       <p:transition spd="slow">
         <p:fade/>
       </p:transition>
@@ -4681,7 +4681,7 @@
           <a:p>
             <a:fld id="{F6EEB388-807B-4447-B979-D1202882E91D}" type="datetimeFigureOut">
               <a:rPr lang="en-GB" smtClean="0"/>
-              <a:t>23/01/2018</a:t>
+              <a:t>25/01/2018</a:t>
             </a:fld>
             <a:endParaRPr lang="en-GB"/>
           </a:p>
@@ -4732,25 +4732,20 @@
     </p:spTree>
     <p:extLst>
       <p:ext uri="{BB962C8B-B14F-4D97-AF65-F5344CB8AC3E}">
-        <p14:creationId xmlns:p14="http://schemas.microsoft.com/office/powerpoint/2010/main" val="2285548051"/>
+        <p14:creationId xmlns:p14="http://schemas.microsoft.com/office/powerpoint/2010/main" val="2233148230"/>
       </p:ext>
     </p:extLst>
   </p:cSld>
   <p:clrMapOvr>
     <a:masterClrMapping/>
   </p:clrMapOvr>
-  <mc:AlternateContent xmlns:mc="http://schemas.openxmlformats.org/markup-compatibility/2006">
-    <mc:Choice xmlns:p14="http://schemas.microsoft.com/office/powerpoint/2010/main" Requires="p14">
-      <p:transition spd="slow">
-        <p14:prism/>
-      </p:transition>
-    </mc:Choice>
-    <mc:Fallback>
-      <p:transition spd="slow">
-        <p:fade/>
-      </p:transition>
-    </mc:Fallback>
-  </mc:AlternateContent>
+  <p:timing>
+    <p:tnLst>
+      <p:par>
+        <p:cTn id="1" dur="indefinite" restart="never" nodeType="tmRoot"/>
+      </p:par>
+    </p:tnLst>
+  </p:timing>
 </p:sldLayout>
 </file>
 
@@ -4889,7 +4884,7 @@
           <a:p>
             <a:fld id="{F6EEB388-807B-4447-B979-D1202882E91D}" type="datetimeFigureOut">
               <a:rPr lang="en-GB" smtClean="0"/>
-              <a:t>23/01/2018</a:t>
+              <a:t>25/01/2018</a:t>
             </a:fld>
             <a:endParaRPr lang="en-GB"/>
           </a:p>
@@ -4940,20 +4935,20 @@
     </p:spTree>
     <p:extLst>
       <p:ext uri="{BB962C8B-B14F-4D97-AF65-F5344CB8AC3E}">
-        <p14:creationId xmlns:p14="http://schemas.microsoft.com/office/powerpoint/2010/main" val="1628026184"/>
+        <p14:creationId xmlns:p14="http://schemas.microsoft.com/office/powerpoint/2010/main" val="206798886"/>
       </p:ext>
     </p:extLst>
   </p:cSld>
   <p:clrMapOvr>
     <a:masterClrMapping/>
   </p:clrMapOvr>
-  <mc:AlternateContent xmlns:mc="http://schemas.openxmlformats.org/markup-compatibility/2006">
-    <mc:Choice xmlns:p14="http://schemas.microsoft.com/office/powerpoint/2010/main" Requires="p14">
+  <mc:AlternateContent xmlns:mc="http://schemas.openxmlformats.org/markup-compatibility/2006" xmlns:p14="http://schemas.microsoft.com/office/powerpoint/2010/main">
+    <mc:Choice Requires="p14">
       <p:transition spd="slow">
         <p14:prism/>
       </p:transition>
     </mc:Choice>
-    <mc:Fallback>
+    <mc:Fallback xmlns="">
       <p:transition spd="slow">
         <p:fade/>
       </p:transition>
@@ -5171,7 +5166,7 @@
           <a:p>
             <a:fld id="{F6EEB388-807B-4447-B979-D1202882E91D}" type="datetimeFigureOut">
               <a:rPr lang="en-GB" smtClean="0"/>
-              <a:t>23/01/2018</a:t>
+              <a:t>25/01/2018</a:t>
             </a:fld>
             <a:endParaRPr lang="en-GB"/>
           </a:p>
@@ -5460,20 +5455,20 @@
     </p:spTree>
     <p:extLst>
       <p:ext uri="{BB962C8B-B14F-4D97-AF65-F5344CB8AC3E}">
-        <p14:creationId xmlns:p14="http://schemas.microsoft.com/office/powerpoint/2010/main" val="2528968883"/>
+        <p14:creationId xmlns:p14="http://schemas.microsoft.com/office/powerpoint/2010/main" val="4174498445"/>
       </p:ext>
     </p:extLst>
   </p:cSld>
   <p:clrMapOvr>
     <a:masterClrMapping/>
   </p:clrMapOvr>
-  <mc:AlternateContent xmlns:mc="http://schemas.openxmlformats.org/markup-compatibility/2006">
-    <mc:Choice xmlns:p14="http://schemas.microsoft.com/office/powerpoint/2010/main" Requires="p14">
+  <mc:AlternateContent xmlns:mc="http://schemas.openxmlformats.org/markup-compatibility/2006" xmlns:p14="http://schemas.microsoft.com/office/powerpoint/2010/main">
+    <mc:Choice Requires="p14">
       <p:transition spd="slow">
         <p14:prism/>
       </p:transition>
     </mc:Choice>
-    <mc:Fallback>
+    <mc:Fallback xmlns="">
       <p:transition spd="slow">
         <p:fade/>
       </p:transition>
@@ -5624,7 +5619,7 @@
           <a:p>
             <a:fld id="{F6EEB388-807B-4447-B979-D1202882E91D}" type="datetimeFigureOut">
               <a:rPr lang="en-GB" smtClean="0"/>
-              <a:t>23/01/2018</a:t>
+              <a:t>25/01/2018</a:t>
             </a:fld>
             <a:endParaRPr lang="en-GB"/>
           </a:p>
@@ -5675,20 +5670,20 @@
     </p:spTree>
     <p:extLst>
       <p:ext uri="{BB962C8B-B14F-4D97-AF65-F5344CB8AC3E}">
-        <p14:creationId xmlns:p14="http://schemas.microsoft.com/office/powerpoint/2010/main" val="3288647807"/>
+        <p14:creationId xmlns:p14="http://schemas.microsoft.com/office/powerpoint/2010/main" val="4121864018"/>
       </p:ext>
     </p:extLst>
   </p:cSld>
   <p:clrMapOvr>
     <a:masterClrMapping/>
   </p:clrMapOvr>
-  <mc:AlternateContent xmlns:mc="http://schemas.openxmlformats.org/markup-compatibility/2006">
-    <mc:Choice xmlns:p14="http://schemas.microsoft.com/office/powerpoint/2010/main" Requires="p14">
+  <mc:AlternateContent xmlns:mc="http://schemas.openxmlformats.org/markup-compatibility/2006" xmlns:p14="http://schemas.microsoft.com/office/powerpoint/2010/main">
+    <mc:Choice Requires="p14">
       <p:transition spd="slow">
         <p14:prism/>
       </p:transition>
     </mc:Choice>
-    <mc:Fallback>
+    <mc:Fallback xmlns="">
       <p:transition spd="slow">
         <p:fade/>
       </p:transition>
@@ -6189,7 +6184,7 @@
           <a:p>
             <a:fld id="{F6EEB388-807B-4447-B979-D1202882E91D}" type="datetimeFigureOut">
               <a:rPr lang="en-GB" smtClean="0"/>
-              <a:t>23/01/2018</a:t>
+              <a:t>25/01/2018</a:t>
             </a:fld>
             <a:endParaRPr lang="en-GB"/>
           </a:p>
@@ -6240,25 +6235,20 @@
     </p:spTree>
     <p:extLst>
       <p:ext uri="{BB962C8B-B14F-4D97-AF65-F5344CB8AC3E}">
-        <p14:creationId xmlns:p14="http://schemas.microsoft.com/office/powerpoint/2010/main" val="1643180137"/>
+        <p14:creationId xmlns:p14="http://schemas.microsoft.com/office/powerpoint/2010/main" val="1775942166"/>
       </p:ext>
     </p:extLst>
   </p:cSld>
   <p:clrMapOvr>
     <a:masterClrMapping/>
   </p:clrMapOvr>
-  <mc:AlternateContent xmlns:mc="http://schemas.openxmlformats.org/markup-compatibility/2006">
-    <mc:Choice xmlns:p14="http://schemas.microsoft.com/office/powerpoint/2010/main" Requires="p14">
-      <p:transition spd="slow">
-        <p14:prism/>
-      </p:transition>
-    </mc:Choice>
-    <mc:Fallback>
-      <p:transition spd="slow">
-        <p:fade/>
-      </p:transition>
-    </mc:Fallback>
-  </mc:AlternateContent>
+  <p:timing>
+    <p:tnLst>
+      <p:par>
+        <p:cTn id="1" dur="indefinite" restart="never" nodeType="tmRoot"/>
+      </p:par>
+    </p:tnLst>
+  </p:timing>
 </p:sldLayout>
 </file>
 
@@ -6921,7 +6911,7 @@
           <a:p>
             <a:fld id="{F6EEB388-807B-4447-B979-D1202882E91D}" type="datetimeFigureOut">
               <a:rPr lang="en-GB" smtClean="0"/>
-              <a:t>23/01/2018</a:t>
+              <a:t>25/01/2018</a:t>
             </a:fld>
             <a:endParaRPr lang="en-GB"/>
           </a:p>
@@ -6972,25 +6962,20 @@
     </p:spTree>
     <p:extLst>
       <p:ext uri="{BB962C8B-B14F-4D97-AF65-F5344CB8AC3E}">
-        <p14:creationId xmlns:p14="http://schemas.microsoft.com/office/powerpoint/2010/main" val="581198429"/>
+        <p14:creationId xmlns:p14="http://schemas.microsoft.com/office/powerpoint/2010/main" val="790864026"/>
       </p:ext>
     </p:extLst>
   </p:cSld>
   <p:clrMapOvr>
     <a:masterClrMapping/>
   </p:clrMapOvr>
-  <mc:AlternateContent xmlns:mc="http://schemas.openxmlformats.org/markup-compatibility/2006">
-    <mc:Choice xmlns:p14="http://schemas.microsoft.com/office/powerpoint/2010/main" Requires="p14">
-      <p:transition spd="slow">
-        <p14:prism/>
-      </p:transition>
-    </mc:Choice>
-    <mc:Fallback>
-      <p:transition spd="slow">
-        <p:fade/>
-      </p:transition>
-    </mc:Fallback>
-  </mc:AlternateContent>
+  <p:timing>
+    <p:tnLst>
+      <p:par>
+        <p:cTn id="1" dur="indefinite" restart="never" nodeType="tmRoot"/>
+      </p:par>
+    </p:tnLst>
+  </p:timing>
 </p:sldLayout>
 </file>
 
@@ -7103,7 +7088,7 @@
           <a:p>
             <a:fld id="{F6EEB388-807B-4447-B979-D1202882E91D}" type="datetimeFigureOut">
               <a:rPr lang="en-GB" smtClean="0"/>
-              <a:t>23/01/2018</a:t>
+              <a:t>25/01/2018</a:t>
             </a:fld>
             <a:endParaRPr lang="en-GB"/>
           </a:p>
@@ -7154,20 +7139,20 @@
     </p:spTree>
     <p:extLst>
       <p:ext uri="{BB962C8B-B14F-4D97-AF65-F5344CB8AC3E}">
-        <p14:creationId xmlns:p14="http://schemas.microsoft.com/office/powerpoint/2010/main" val="328180141"/>
+        <p14:creationId xmlns:p14="http://schemas.microsoft.com/office/powerpoint/2010/main" val="1450969417"/>
       </p:ext>
     </p:extLst>
   </p:cSld>
   <p:clrMapOvr>
     <a:masterClrMapping/>
   </p:clrMapOvr>
-  <mc:AlternateContent xmlns:mc="http://schemas.openxmlformats.org/markup-compatibility/2006">
-    <mc:Choice xmlns:p14="http://schemas.microsoft.com/office/powerpoint/2010/main" Requires="p14">
+  <mc:AlternateContent xmlns:mc="http://schemas.openxmlformats.org/markup-compatibility/2006" xmlns:p14="http://schemas.microsoft.com/office/powerpoint/2010/main">
+    <mc:Choice Requires="p14">
       <p:transition spd="slow">
         <p14:prism/>
       </p:transition>
     </mc:Choice>
-    <mc:Fallback>
+    <mc:Fallback xmlns="">
       <p:transition spd="slow">
         <p:fade/>
       </p:transition>
@@ -7302,7 +7287,7 @@
           <a:p>
             <a:fld id="{F6EEB388-807B-4447-B979-D1202882E91D}" type="datetimeFigureOut">
               <a:rPr lang="en-GB" smtClean="0"/>
-              <a:t>23/01/2018</a:t>
+              <a:t>25/01/2018</a:t>
             </a:fld>
             <a:endParaRPr lang="en-GB"/>
           </a:p>
@@ -7353,20 +7338,20 @@
     </p:spTree>
     <p:extLst>
       <p:ext uri="{BB962C8B-B14F-4D97-AF65-F5344CB8AC3E}">
-        <p14:creationId xmlns:p14="http://schemas.microsoft.com/office/powerpoint/2010/main" val="399249922"/>
+        <p14:creationId xmlns:p14="http://schemas.microsoft.com/office/powerpoint/2010/main" val="213230605"/>
       </p:ext>
     </p:extLst>
   </p:cSld>
   <p:clrMapOvr>
     <a:masterClrMapping/>
   </p:clrMapOvr>
-  <mc:AlternateContent xmlns:mc="http://schemas.openxmlformats.org/markup-compatibility/2006">
-    <mc:Choice xmlns:p14="http://schemas.microsoft.com/office/powerpoint/2010/main" Requires="p14">
+  <mc:AlternateContent xmlns:mc="http://schemas.openxmlformats.org/markup-compatibility/2006" xmlns:p14="http://schemas.microsoft.com/office/powerpoint/2010/main">
+    <mc:Choice Requires="p14">
       <p:transition spd="slow">
         <p14:prism/>
       </p:transition>
     </mc:Choice>
-    <mc:Fallback>
+    <mc:Fallback xmlns="">
       <p:transition spd="slow">
         <p:fade/>
       </p:transition>
@@ -7491,7 +7476,7 @@
           <a:p>
             <a:fld id="{F6EEB388-807B-4447-B979-D1202882E91D}" type="datetimeFigureOut">
               <a:rPr lang="en-GB" smtClean="0"/>
-              <a:t>23/01/2018</a:t>
+              <a:t>25/01/2018</a:t>
             </a:fld>
             <a:endParaRPr lang="en-GB"/>
           </a:p>
@@ -7542,20 +7527,20 @@
     </p:spTree>
     <p:extLst>
       <p:ext uri="{BB962C8B-B14F-4D97-AF65-F5344CB8AC3E}">
-        <p14:creationId xmlns:p14="http://schemas.microsoft.com/office/powerpoint/2010/main" val="612667138"/>
+        <p14:creationId xmlns:p14="http://schemas.microsoft.com/office/powerpoint/2010/main" val="2417010997"/>
       </p:ext>
     </p:extLst>
   </p:cSld>
   <p:clrMapOvr>
     <a:masterClrMapping/>
   </p:clrMapOvr>
-  <mc:AlternateContent xmlns:mc="http://schemas.openxmlformats.org/markup-compatibility/2006">
-    <mc:Choice xmlns:p14="http://schemas.microsoft.com/office/powerpoint/2010/main" Requires="p14">
+  <mc:AlternateContent xmlns:mc="http://schemas.openxmlformats.org/markup-compatibility/2006" xmlns:p14="http://schemas.microsoft.com/office/powerpoint/2010/main">
+    <mc:Choice Requires="p14">
       <p:transition spd="slow">
         <p14:prism/>
       </p:transition>
     </mc:Choice>
-    <mc:Fallback>
+    <mc:Fallback xmlns="">
       <p:transition spd="slow">
         <p:fade/>
       </p:transition>
@@ -7760,7 +7745,7 @@
           <a:p>
             <a:fld id="{F6EEB388-807B-4447-B979-D1202882E91D}" type="datetimeFigureOut">
               <a:rPr lang="en-GB" smtClean="0"/>
-              <a:t>23/01/2018</a:t>
+              <a:t>25/01/2018</a:t>
             </a:fld>
             <a:endParaRPr lang="en-GB"/>
           </a:p>
@@ -7811,20 +7796,20 @@
     </p:spTree>
     <p:extLst>
       <p:ext uri="{BB962C8B-B14F-4D97-AF65-F5344CB8AC3E}">
-        <p14:creationId xmlns:p14="http://schemas.microsoft.com/office/powerpoint/2010/main" val="3924601447"/>
+        <p14:creationId xmlns:p14="http://schemas.microsoft.com/office/powerpoint/2010/main" val="785939223"/>
       </p:ext>
     </p:extLst>
   </p:cSld>
   <p:clrMapOvr>
     <a:masterClrMapping/>
   </p:clrMapOvr>
-  <mc:AlternateContent xmlns:mc="http://schemas.openxmlformats.org/markup-compatibility/2006">
-    <mc:Choice xmlns:p14="http://schemas.microsoft.com/office/powerpoint/2010/main" Requires="p14">
+  <mc:AlternateContent xmlns:mc="http://schemas.openxmlformats.org/markup-compatibility/2006" xmlns:p14="http://schemas.microsoft.com/office/powerpoint/2010/main">
+    <mc:Choice Requires="p14">
       <p:transition spd="slow">
         <p14:prism/>
       </p:transition>
     </mc:Choice>
-    <mc:Fallback>
+    <mc:Fallback xmlns="">
       <p:transition spd="slow">
         <p:fade/>
       </p:transition>
@@ -8011,7 +7996,7 @@
           <a:p>
             <a:fld id="{F6EEB388-807B-4447-B979-D1202882E91D}" type="datetimeFigureOut">
               <a:rPr lang="en-GB" smtClean="0"/>
-              <a:t>23/01/2018</a:t>
+              <a:t>25/01/2018</a:t>
             </a:fld>
             <a:endParaRPr lang="en-GB"/>
           </a:p>
@@ -8062,20 +8047,20 @@
     </p:spTree>
     <p:extLst>
       <p:ext uri="{BB962C8B-B14F-4D97-AF65-F5344CB8AC3E}">
-        <p14:creationId xmlns:p14="http://schemas.microsoft.com/office/powerpoint/2010/main" val="2884782702"/>
+        <p14:creationId xmlns:p14="http://schemas.microsoft.com/office/powerpoint/2010/main" val="2707224522"/>
       </p:ext>
     </p:extLst>
   </p:cSld>
   <p:clrMapOvr>
     <a:masterClrMapping/>
   </p:clrMapOvr>
-  <mc:AlternateContent xmlns:mc="http://schemas.openxmlformats.org/markup-compatibility/2006">
-    <mc:Choice xmlns:p14="http://schemas.microsoft.com/office/powerpoint/2010/main" Requires="p14">
+  <mc:AlternateContent xmlns:mc="http://schemas.openxmlformats.org/markup-compatibility/2006" xmlns:p14="http://schemas.microsoft.com/office/powerpoint/2010/main">
+    <mc:Choice Requires="p14">
       <p:transition spd="slow">
         <p14:prism/>
       </p:transition>
     </mc:Choice>
-    <mc:Fallback>
+    <mc:Fallback xmlns="">
       <p:transition spd="slow">
         <p:fade/>
       </p:transition>
@@ -8411,7 +8396,7 @@
           <a:p>
             <a:fld id="{F6EEB388-807B-4447-B979-D1202882E91D}" type="datetimeFigureOut">
               <a:rPr lang="en-GB" smtClean="0"/>
-              <a:t>23/01/2018</a:t>
+              <a:t>25/01/2018</a:t>
             </a:fld>
             <a:endParaRPr lang="en-GB"/>
           </a:p>
@@ -8462,20 +8447,20 @@
     </p:spTree>
     <p:extLst>
       <p:ext uri="{BB962C8B-B14F-4D97-AF65-F5344CB8AC3E}">
-        <p14:creationId xmlns:p14="http://schemas.microsoft.com/office/powerpoint/2010/main" val="382377336"/>
+        <p14:creationId xmlns:p14="http://schemas.microsoft.com/office/powerpoint/2010/main" val="3923318213"/>
       </p:ext>
     </p:extLst>
   </p:cSld>
   <p:clrMapOvr>
     <a:masterClrMapping/>
   </p:clrMapOvr>
-  <mc:AlternateContent xmlns:mc="http://schemas.openxmlformats.org/markup-compatibility/2006">
-    <mc:Choice xmlns:p14="http://schemas.microsoft.com/office/powerpoint/2010/main" Requires="p14">
+  <mc:AlternateContent xmlns:mc="http://schemas.openxmlformats.org/markup-compatibility/2006" xmlns:p14="http://schemas.microsoft.com/office/powerpoint/2010/main">
+    <mc:Choice Requires="p14">
       <p:transition spd="slow">
         <p14:prism/>
       </p:transition>
     </mc:Choice>
-    <mc:Fallback>
+    <mc:Fallback xmlns="">
       <p:transition spd="slow">
         <p:fade/>
       </p:transition>
@@ -8548,7 +8533,7 @@
           <a:p>
             <a:fld id="{F6EEB388-807B-4447-B979-D1202882E91D}" type="datetimeFigureOut">
               <a:rPr lang="en-GB" smtClean="0"/>
-              <a:t>23/01/2018</a:t>
+              <a:t>25/01/2018</a:t>
             </a:fld>
             <a:endParaRPr lang="en-GB"/>
           </a:p>
@@ -8599,20 +8584,20 @@
     </p:spTree>
     <p:extLst>
       <p:ext uri="{BB962C8B-B14F-4D97-AF65-F5344CB8AC3E}">
-        <p14:creationId xmlns:p14="http://schemas.microsoft.com/office/powerpoint/2010/main" val="3564691428"/>
+        <p14:creationId xmlns:p14="http://schemas.microsoft.com/office/powerpoint/2010/main" val="1265622465"/>
       </p:ext>
     </p:extLst>
   </p:cSld>
   <p:clrMapOvr>
     <a:masterClrMapping/>
   </p:clrMapOvr>
-  <mc:AlternateContent xmlns:mc="http://schemas.openxmlformats.org/markup-compatibility/2006">
-    <mc:Choice xmlns:p14="http://schemas.microsoft.com/office/powerpoint/2010/main" Requires="p14">
+  <mc:AlternateContent xmlns:mc="http://schemas.openxmlformats.org/markup-compatibility/2006" xmlns:p14="http://schemas.microsoft.com/office/powerpoint/2010/main">
+    <mc:Choice Requires="p14">
       <p:transition spd="slow">
         <p14:prism/>
       </p:transition>
     </mc:Choice>
-    <mc:Fallback>
+    <mc:Fallback xmlns="">
       <p:transition spd="slow">
         <p:fade/>
       </p:transition>
@@ -8662,7 +8647,7 @@
           <a:p>
             <a:fld id="{F6EEB388-807B-4447-B979-D1202882E91D}" type="datetimeFigureOut">
               <a:rPr lang="en-GB" smtClean="0"/>
-              <a:t>23/01/2018</a:t>
+              <a:t>25/01/2018</a:t>
             </a:fld>
             <a:endParaRPr lang="en-GB"/>
           </a:p>
@@ -8713,20 +8698,20 @@
     </p:spTree>
     <p:extLst>
       <p:ext uri="{BB962C8B-B14F-4D97-AF65-F5344CB8AC3E}">
-        <p14:creationId xmlns:p14="http://schemas.microsoft.com/office/powerpoint/2010/main" val="1556109910"/>
+        <p14:creationId xmlns:p14="http://schemas.microsoft.com/office/powerpoint/2010/main" val="210070245"/>
       </p:ext>
     </p:extLst>
   </p:cSld>
   <p:clrMapOvr>
     <a:masterClrMapping/>
   </p:clrMapOvr>
-  <mc:AlternateContent xmlns:mc="http://schemas.openxmlformats.org/markup-compatibility/2006">
-    <mc:Choice xmlns:p14="http://schemas.microsoft.com/office/powerpoint/2010/main" Requires="p14">
+  <mc:AlternateContent xmlns:mc="http://schemas.openxmlformats.org/markup-compatibility/2006" xmlns:p14="http://schemas.microsoft.com/office/powerpoint/2010/main">
+    <mc:Choice Requires="p14">
       <p:transition spd="slow">
         <p14:prism/>
       </p:transition>
     </mc:Choice>
-    <mc:Fallback>
+    <mc:Fallback xmlns="">
       <p:transition spd="slow">
         <p:fade/>
       </p:transition>
@@ -8930,7 +8915,7 @@
           <a:p>
             <a:fld id="{F6EEB388-807B-4447-B979-D1202882E91D}" type="datetimeFigureOut">
               <a:rPr lang="en-GB" smtClean="0"/>
-              <a:t>23/01/2018</a:t>
+              <a:t>25/01/2018</a:t>
             </a:fld>
             <a:endParaRPr lang="en-GB"/>
           </a:p>
@@ -8981,20 +8966,20 @@
     </p:spTree>
     <p:extLst>
       <p:ext uri="{BB962C8B-B14F-4D97-AF65-F5344CB8AC3E}">
-        <p14:creationId xmlns:p14="http://schemas.microsoft.com/office/powerpoint/2010/main" val="2870079619"/>
+        <p14:creationId xmlns:p14="http://schemas.microsoft.com/office/powerpoint/2010/main" val="1604411916"/>
       </p:ext>
     </p:extLst>
   </p:cSld>
   <p:clrMapOvr>
     <a:masterClrMapping/>
   </p:clrMapOvr>
-  <mc:AlternateContent xmlns:mc="http://schemas.openxmlformats.org/markup-compatibility/2006">
-    <mc:Choice xmlns:p14="http://schemas.microsoft.com/office/powerpoint/2010/main" Requires="p14">
+  <mc:AlternateContent xmlns:mc="http://schemas.openxmlformats.org/markup-compatibility/2006" xmlns:p14="http://schemas.microsoft.com/office/powerpoint/2010/main">
+    <mc:Choice Requires="p14">
       <p:transition spd="slow">
         <p14:prism/>
       </p:transition>
     </mc:Choice>
-    <mc:Fallback>
+    <mc:Fallback xmlns="">
       <p:transition spd="slow">
         <p:fade/>
       </p:transition>
@@ -9229,7 +9214,7 @@
           <a:p>
             <a:fld id="{F6EEB388-807B-4447-B979-D1202882E91D}" type="datetimeFigureOut">
               <a:rPr lang="en-GB" smtClean="0"/>
-              <a:t>23/01/2018</a:t>
+              <a:t>25/01/2018</a:t>
             </a:fld>
             <a:endParaRPr lang="en-GB"/>
           </a:p>
@@ -9280,20 +9265,20 @@
     </p:spTree>
     <p:extLst>
       <p:ext uri="{BB962C8B-B14F-4D97-AF65-F5344CB8AC3E}">
-        <p14:creationId xmlns:p14="http://schemas.microsoft.com/office/powerpoint/2010/main" val="1237218295"/>
+        <p14:creationId xmlns:p14="http://schemas.microsoft.com/office/powerpoint/2010/main" val="3685341900"/>
       </p:ext>
     </p:extLst>
   </p:cSld>
   <p:clrMapOvr>
     <a:masterClrMapping/>
   </p:clrMapOvr>
-  <mc:AlternateContent xmlns:mc="http://schemas.openxmlformats.org/markup-compatibility/2006">
-    <mc:Choice xmlns:p14="http://schemas.microsoft.com/office/powerpoint/2010/main" Requires="p14">
+  <mc:AlternateContent xmlns:mc="http://schemas.openxmlformats.org/markup-compatibility/2006" xmlns:p14="http://schemas.microsoft.com/office/powerpoint/2010/main">
+    <mc:Choice Requires="p14">
       <p:transition spd="slow">
         <p14:prism/>
       </p:transition>
     </mc:Choice>
-    <mc:Fallback>
+    <mc:Fallback xmlns="">
       <p:transition spd="slow">
         <p:fade/>
       </p:transition>
@@ -12325,7 +12310,7 @@
           <a:p>
             <a:fld id="{F6EEB388-807B-4447-B979-D1202882E91D}" type="datetimeFigureOut">
               <a:rPr lang="en-GB" smtClean="0"/>
-              <a:t>23/01/2018</a:t>
+              <a:t>25/01/2018</a:t>
             </a:fld>
             <a:endParaRPr lang="en-GB"/>
           </a:p>
@@ -12412,37 +12397,37 @@
     </p:spTree>
     <p:extLst>
       <p:ext uri="{BB962C8B-B14F-4D97-AF65-F5344CB8AC3E}">
-        <p14:creationId xmlns:p14="http://schemas.microsoft.com/office/powerpoint/2010/main" val="3633779564"/>
+        <p14:creationId xmlns:p14="http://schemas.microsoft.com/office/powerpoint/2010/main" val="441011084"/>
       </p:ext>
     </p:extLst>
   </p:cSld>
   <p:clrMap bg1="dk1" tx1="lt1" bg2="dk2" tx2="lt2" accent1="accent1" accent2="accent2" accent3="accent3" accent4="accent4" accent5="accent5" accent6="accent6" hlink="hlink" folHlink="folHlink"/>
   <p:sldLayoutIdLst>
-    <p:sldLayoutId id="2147483678" r:id="rId1"/>
-    <p:sldLayoutId id="2147483679" r:id="rId2"/>
-    <p:sldLayoutId id="2147483680" r:id="rId3"/>
-    <p:sldLayoutId id="2147483681" r:id="rId4"/>
-    <p:sldLayoutId id="2147483682" r:id="rId5"/>
-    <p:sldLayoutId id="2147483683" r:id="rId6"/>
-    <p:sldLayoutId id="2147483684" r:id="rId7"/>
-    <p:sldLayoutId id="2147483685" r:id="rId8"/>
-    <p:sldLayoutId id="2147483686" r:id="rId9"/>
-    <p:sldLayoutId id="2147483687" r:id="rId10"/>
-    <p:sldLayoutId id="2147483688" r:id="rId11"/>
-    <p:sldLayoutId id="2147483689" r:id="rId12"/>
-    <p:sldLayoutId id="2147483690" r:id="rId13"/>
-    <p:sldLayoutId id="2147483691" r:id="rId14"/>
-    <p:sldLayoutId id="2147483692" r:id="rId15"/>
-    <p:sldLayoutId id="2147483693" r:id="rId16"/>
-    <p:sldLayoutId id="2147483694" r:id="rId17"/>
+    <p:sldLayoutId id="2147483749" r:id="rId1"/>
+    <p:sldLayoutId id="2147483750" r:id="rId2"/>
+    <p:sldLayoutId id="2147483751" r:id="rId3"/>
+    <p:sldLayoutId id="2147483752" r:id="rId4"/>
+    <p:sldLayoutId id="2147483753" r:id="rId5"/>
+    <p:sldLayoutId id="2147483754" r:id="rId6"/>
+    <p:sldLayoutId id="2147483755" r:id="rId7"/>
+    <p:sldLayoutId id="2147483756" r:id="rId8"/>
+    <p:sldLayoutId id="2147483757" r:id="rId9"/>
+    <p:sldLayoutId id="2147483758" r:id="rId10"/>
+    <p:sldLayoutId id="2147483759" r:id="rId11"/>
+    <p:sldLayoutId id="2147483760" r:id="rId12"/>
+    <p:sldLayoutId id="2147483761" r:id="rId13"/>
+    <p:sldLayoutId id="2147483762" r:id="rId14"/>
+    <p:sldLayoutId id="2147483763" r:id="rId15"/>
+    <p:sldLayoutId id="2147483764" r:id="rId16"/>
+    <p:sldLayoutId id="2147483765" r:id="rId17"/>
   </p:sldLayoutIdLst>
-  <mc:AlternateContent xmlns:mc="http://schemas.openxmlformats.org/markup-compatibility/2006">
-    <mc:Choice xmlns:p14="http://schemas.microsoft.com/office/powerpoint/2010/main" Requires="p14">
+  <mc:AlternateContent xmlns:mc="http://schemas.openxmlformats.org/markup-compatibility/2006" xmlns:p14="http://schemas.microsoft.com/office/powerpoint/2010/main">
+    <mc:Choice Requires="p14">
       <p:transition spd="slow">
         <p14:prism/>
       </p:transition>
     </mc:Choice>
-    <mc:Fallback>
+    <mc:Fallback xmlns="">
       <p:transition spd="slow">
         <p:fade/>
       </p:transition>
@@ -12776,8 +12761,8 @@
         </p:nvSpPr>
         <p:spPr>
           <a:xfrm>
-            <a:off x="996876" y="559398"/>
-            <a:ext cx="9144000" cy="826765"/>
+            <a:off x="2309308" y="564911"/>
+            <a:ext cx="7630757" cy="826765"/>
           </a:xfrm>
         </p:spPr>
         <p:txBody>
@@ -12812,8 +12797,8 @@
         </p:nvSpPr>
         <p:spPr>
           <a:xfrm>
-            <a:off x="1104659" y="1511801"/>
-            <a:ext cx="3316735" cy="553189"/>
+            <a:off x="4403672" y="1391676"/>
+            <a:ext cx="1825005" cy="553189"/>
           </a:xfrm>
         </p:spPr>
         <p:txBody>
@@ -12822,6 +12807,7 @@
           </a:bodyPr>
           <a:lstStyle/>
           <a:p>
+            <a:pPr algn="ctr"/>
             <a:r>
               <a:rPr lang="en-GB" sz="2400" b="1" dirty="0" smtClean="0"/>
               <a:t>UFCD: 0771</a:t>
@@ -12854,21 +12840,13 @@
           <a:p>
             <a:r>
               <a:rPr lang="en-GB" b="1" dirty="0" smtClean="0"/>
-              <a:t>Trabalho realizado por</a:t>
-            </a:r>
+              <a:t>Trabalho realizado por:</a:t>
+            </a:r>
+          </a:p>
+          <a:p>
             <a:r>
               <a:rPr lang="en-GB" b="1" dirty="0" smtClean="0"/>
-              <a:t>:</a:t>
-            </a:r>
-          </a:p>
-          <a:p>
-            <a:r>
-              <a:rPr lang="en-GB" b="1" dirty="0" smtClean="0"/>
-              <a:t> </a:t>
-            </a:r>
-            <a:r>
-              <a:rPr lang="en-GB" b="1" dirty="0" smtClean="0"/>
-              <a:t>Bruno Coelho</a:t>
+              <a:t> Bruno Coelho</a:t>
             </a:r>
           </a:p>
           <a:p>
@@ -12896,7 +12874,7 @@
         </p:nvSpPr>
         <p:spPr>
           <a:xfrm>
-            <a:off x="3636086" y="2190628"/>
+            <a:off x="3894270" y="2211337"/>
             <a:ext cx="3550024" cy="461665"/>
           </a:xfrm>
           <a:prstGeom prst="rect">
@@ -13027,7 +13005,7 @@
         <p:spPr>
           <a:xfrm>
             <a:off x="2323652" y="273541"/>
-            <a:ext cx="8390963" cy="1043325"/>
+            <a:ext cx="8390963" cy="835855"/>
           </a:xfrm>
         </p:spPr>
         <p:txBody>
@@ -13059,8 +13037,8 @@
         </p:nvSpPr>
         <p:spPr>
           <a:xfrm>
-            <a:off x="796066" y="1004892"/>
-            <a:ext cx="10008646" cy="5541135"/>
+            <a:off x="483325" y="1109396"/>
+            <a:ext cx="11612881" cy="5541135"/>
           </a:xfrm>
         </p:spPr>
         <p:txBody>
@@ -13075,24 +13053,54 @@
                 <a:latin typeface="Arial" panose="020B0604020202020204" pitchFamily="34" charset="0"/>
                 <a:cs typeface="Arial" panose="020B0604020202020204" pitchFamily="34" charset="0"/>
               </a:rPr>
-              <a:t>. </a:t>
-            </a:r>
+              <a:t>. Categoria 3 (Cat. 3)</a:t>
+            </a:r>
+          </a:p>
+          <a:p>
+            <a:pPr algn="just"/>
             <a:r>
               <a:rPr lang="pt-PT" sz="1600" b="1" dirty="0">
                 <a:latin typeface="Arial" panose="020B0604020202020204" pitchFamily="34" charset="0"/>
                 <a:cs typeface="Arial" panose="020B0604020202020204" pitchFamily="34" charset="0"/>
               </a:rPr>
-              <a:t>Categoria 3 (Cat. 3)</a:t>
-            </a:r>
-          </a:p>
-          <a:p>
-            <a:pPr algn="just"/>
+              <a:t>Os cabos de Categoria 3 são ainda hoje utilizados em redes que atendam principalmente a parte de telefonia. Por não comportar as atuais velocidades de transmissão de dados, estes cabos não são aconselhados em um projeto de cabeamento estruturado, onde um ponto pode atender dados, telefonia, IPTV, Voip, CFTV entre outros apenas </a:t>
+            </a:r>
+            <a:endParaRPr lang="pt-PT" sz="1600" b="1" dirty="0" smtClean="0">
+              <a:latin typeface="Arial" panose="020B0604020202020204" pitchFamily="34" charset="0"/>
+              <a:cs typeface="Arial" panose="020B0604020202020204" pitchFamily="34" charset="0"/>
+            </a:endParaRPr>
+          </a:p>
+          <a:p>
+            <a:pPr marL="0" indent="0" algn="just">
+              <a:buNone/>
+            </a:pPr>
             <a:r>
               <a:rPr lang="pt-PT" sz="1600" b="1" dirty="0">
                 <a:latin typeface="Arial" panose="020B0604020202020204" pitchFamily="34" charset="0"/>
                 <a:cs typeface="Arial" panose="020B0604020202020204" pitchFamily="34" charset="0"/>
               </a:rPr>
-              <a:t>Os cabos de Categoria 3 são ainda hoje utilizados em redes que atendam principalmente a parte de telefonia. Por não comportar as atuais velocidades de transmissão de dados, estes cabos não são aconselhados em um projeto de cabeamento estruturado, onde um ponto pode atender dados, telefonia, IPTV, Voip, CFTV entre outros apenas com a manobra do Patch Cord</a:t>
+              <a:t> </a:t>
+            </a:r>
+            <a:r>
+              <a:rPr lang="pt-PT" sz="1600" b="1" dirty="0" smtClean="0">
+                <a:latin typeface="Arial" panose="020B0604020202020204" pitchFamily="34" charset="0"/>
+                <a:cs typeface="Arial" panose="020B0604020202020204" pitchFamily="34" charset="0"/>
+              </a:rPr>
+              <a:t>   </a:t>
+            </a:r>
+            <a:r>
+              <a:rPr lang="pt-PT" sz="1600" b="1" dirty="0" smtClean="0">
+                <a:latin typeface="Arial" panose="020B0604020202020204" pitchFamily="34" charset="0"/>
+                <a:cs typeface="Arial" panose="020B0604020202020204" pitchFamily="34" charset="0"/>
+              </a:rPr>
+              <a:t>com </a:t>
+            </a:r>
+            <a:r>
+              <a:rPr lang="pt-PT" sz="1600" b="1" dirty="0">
+                <a:latin typeface="Arial" panose="020B0604020202020204" pitchFamily="34" charset="0"/>
+                <a:cs typeface="Arial" panose="020B0604020202020204" pitchFamily="34" charset="0"/>
+              </a:rPr>
+              <a:t>a manobra do Patch Cord</a:t>
             </a:r>
             <a:r>
               <a:rPr lang="pt-PT" sz="1600" b="1" dirty="0" smtClean="0">
@@ -13117,7 +13125,7 @@
             </a:r>
           </a:p>
           <a:p>
-            <a:pPr marL="0" indent="0" algn="just">
+            <a:pPr marL="0" indent="0">
               <a:buNone/>
             </a:pPr>
             <a:r>
@@ -13132,14 +13140,14 @@
                 <a:latin typeface="Arial" panose="020B0604020202020204" pitchFamily="34" charset="0"/>
                 <a:cs typeface="Arial" panose="020B0604020202020204" pitchFamily="34" charset="0"/>
               </a:rPr>
-              <a:t>de ainda presentes no mercado, os cabos Cat.3 tendem a sumir em breve, visto que cabos de </a:t>
+              <a:t>de ainda presentes no mercado, os cabos Cat.3 tendem a sumir em breve, visto que cabos </a:t>
             </a:r>
             <a:r>
               <a:rPr lang="pt-PT" sz="1600" b="1" dirty="0" smtClean="0">
                 <a:latin typeface="Arial" panose="020B0604020202020204" pitchFamily="34" charset="0"/>
                 <a:cs typeface="Arial" panose="020B0604020202020204" pitchFamily="34" charset="0"/>
               </a:rPr>
-              <a:t>       categorias </a:t>
+              <a:t>   de categorias </a:t>
             </a:r>
             <a:r>
               <a:rPr lang="pt-PT" sz="1600" b="1" dirty="0">
@@ -13231,8 +13239,8 @@
         </p:blipFill>
         <p:spPr>
           <a:xfrm>
-            <a:off x="6334685" y="4683442"/>
-            <a:ext cx="3185833" cy="1514475"/>
+            <a:off x="6648993" y="4539751"/>
+            <a:ext cx="2886892" cy="1514475"/>
           </a:xfrm>
           <a:prstGeom prst="rect">
             <a:avLst/>
@@ -13251,14 +13259,10 @@
   </p:clrMapOvr>
   <mc:AlternateContent xmlns:mc="http://schemas.openxmlformats.org/markup-compatibility/2006">
     <mc:Choice xmlns:p14="http://schemas.microsoft.com/office/powerpoint/2010/main" Requires="p14">
-      <p:transition spd="slow">
-        <p14:prism/>
-      </p:transition>
+      <p:transition p14:dur="0"/>
     </mc:Choice>
     <mc:Fallback>
-      <p:transition spd="slow">
-        <p:fade/>
-      </p:transition>
+      <p:transition/>
     </mc:Fallback>
   </mc:AlternateContent>
   <p:timing>
@@ -13462,13 +13466,13 @@
   <p:clrMapOvr>
     <a:masterClrMapping/>
   </p:clrMapOvr>
-  <mc:AlternateContent xmlns:mc="http://schemas.openxmlformats.org/markup-compatibility/2006">
-    <mc:Choice xmlns:p14="http://schemas.microsoft.com/office/powerpoint/2010/main" Requires="p14">
+  <mc:AlternateContent xmlns:mc="http://schemas.openxmlformats.org/markup-compatibility/2006" xmlns:p14="http://schemas.microsoft.com/office/powerpoint/2010/main">
+    <mc:Choice Requires="p14">
       <p:transition spd="slow">
         <p14:prism/>
       </p:transition>
     </mc:Choice>
-    <mc:Fallback>
+    <mc:Fallback xmlns="">
       <p:transition spd="slow">
         <p:fade/>
       </p:transition>
@@ -13513,20 +13517,28 @@
         </p:nvSpPr>
         <p:spPr>
           <a:xfrm>
-            <a:off x="1839889" y="903808"/>
-            <a:ext cx="8911687" cy="688323"/>
+            <a:off x="1301675" y="355003"/>
+            <a:ext cx="9767942" cy="741133"/>
           </a:xfrm>
         </p:spPr>
         <p:txBody>
-          <a:bodyPr/>
+          <a:bodyPr>
+            <a:normAutofit fontScale="90000"/>
+          </a:bodyPr>
           <a:lstStyle/>
           <a:p>
-            <a:pPr algn="ctr"/>
-            <a:r>
-              <a:rPr lang="en-GB" b="1" dirty="0" smtClean="0"/>
-              <a:t>Tipos de Rede</a:t>
-            </a:r>
-            <a:endParaRPr lang="en-GB" b="1" dirty="0"/>
+            <a:r>
+              <a:rPr lang="pt-PT" b="1" dirty="0"/>
+              <a:t>Categoria 6 (Cat.6)</a:t>
+            </a:r>
+            <a:r>
+              <a:rPr lang="pt-PT" dirty="0"/>
+              <a:t/>
+            </a:r>
+            <a:br>
+              <a:rPr lang="pt-PT" dirty="0"/>
+            </a:br>
+            <a:endParaRPr lang="pt-PT" dirty="0"/>
           </a:p>
         </p:txBody>
       </p:sp>
@@ -13542,203 +13554,174 @@
         </p:nvSpPr>
         <p:spPr>
           <a:xfrm>
-            <a:off x="1029353" y="1789355"/>
-            <a:ext cx="9722223" cy="4643718"/>
+            <a:off x="872471" y="1096136"/>
+            <a:ext cx="9905999" cy="5240118"/>
           </a:xfrm>
         </p:spPr>
         <p:txBody>
           <a:bodyPr>
-            <a:normAutofit/>
+            <a:normAutofit fontScale="77500" lnSpcReduction="20000"/>
           </a:bodyPr>
           <a:lstStyle/>
           <a:p>
-            <a:pPr>
-              <a:buFont typeface="Wingdings" panose="05000000000000000000" pitchFamily="2" charset="2"/>
-              <a:buChar char="ü"/>
-            </a:pPr>
-            <a:r>
-              <a:rPr lang="pt-PT" sz="1600" b="1" dirty="0">
+            <a:pPr fontAlgn="base"/>
+            <a:r>
+              <a:rPr lang="pt-PT" sz="2600" dirty="0">
                 <a:latin typeface="Arial" panose="020B0604020202020204" pitchFamily="34" charset="0"/>
                 <a:cs typeface="Arial" panose="020B0604020202020204" pitchFamily="34" charset="0"/>
               </a:rPr>
-              <a:t>Rede </a:t>
-            </a:r>
-            <a:r>
-              <a:rPr lang="pt-PT" sz="1600" b="1" dirty="0" smtClean="0">
+              <a:t>Os cabos da Categoria 6 hoje são os que apresentam maior custo/benefício para redes de médio porte em empresas. São cabos de maior velocidade que os de categoria 5e, melhor blindagem entre os pares, utilizam mais material em cada via de transmissão, e tudo isso em conjunto tornam este mais rápido </a:t>
+            </a:r>
+            <a:r>
+              <a:rPr lang="pt-PT" sz="2600" dirty="0" smtClean="0">
                 <a:latin typeface="Arial" panose="020B0604020202020204" pitchFamily="34" charset="0"/>
                 <a:cs typeface="Arial" panose="020B0604020202020204" pitchFamily="34" charset="0"/>
               </a:rPr>
-              <a:t>LAN- </a:t>
-            </a:r>
-            <a:r>
-              <a:rPr lang="pt-PT" sz="1600" dirty="0">
+              <a:t>e </a:t>
+            </a:r>
+            <a:r>
+              <a:rPr lang="pt-PT" sz="2600" dirty="0">
                 <a:latin typeface="Arial" panose="020B0604020202020204" pitchFamily="34" charset="0"/>
                 <a:cs typeface="Arial" panose="020B0604020202020204" pitchFamily="34" charset="0"/>
               </a:rPr>
-              <a:t> quer dizer Local Area Network (em português, Rede Local) e representa um grupo de computadores que pertencem a uma mesma organização e que estão conectados entre eles, numa pequena área geográfica, por meio de uma rede, frequentemente através de uma mesma tecnologia (a mais usada é a </a:t>
-            </a:r>
-            <a:r>
-              <a:rPr lang="pt-PT" sz="1600" u="sng" dirty="0" smtClean="0">
-                <a:solidFill>
-                  <a:schemeClr val="tx1"/>
-                </a:solidFill>
+              <a:t>confiável</a:t>
+            </a:r>
+            <a:r>
+              <a:rPr lang="pt-PT" sz="2600" dirty="0" smtClean="0">
                 <a:latin typeface="Arial" panose="020B0604020202020204" pitchFamily="34" charset="0"/>
                 <a:cs typeface="Arial" panose="020B0604020202020204" pitchFamily="34" charset="0"/>
               </a:rPr>
-              <a:t>Internet</a:t>
-            </a:r>
-            <a:r>
-              <a:rPr lang="pt-PT" sz="1600" dirty="0">
-                <a:latin typeface="Arial" panose="020B0604020202020204" pitchFamily="34" charset="0"/>
-                <a:cs typeface="Arial" panose="020B0604020202020204" pitchFamily="34" charset="0"/>
-              </a:rPr>
-              <a:t> </a:t>
-            </a:r>
-            <a:endParaRPr lang="pt-PT" sz="1600" dirty="0" smtClean="0">
-              <a:latin typeface="Arial" panose="020B0604020202020204" pitchFamily="34" charset="0"/>
-              <a:cs typeface="Arial" panose="020B0604020202020204" pitchFamily="34" charset="0"/>
-            </a:endParaRPr>
-          </a:p>
-          <a:p>
-            <a:pPr>
-              <a:buFont typeface="Wingdings" panose="05000000000000000000" pitchFamily="2" charset="2"/>
-              <a:buChar char="ü"/>
-            </a:pPr>
-            <a:r>
-              <a:rPr lang="pt-PT" sz="1600" dirty="0" smtClean="0">
-                <a:latin typeface="Arial" panose="020B0604020202020204" pitchFamily="34" charset="0"/>
-                <a:cs typeface="Arial" panose="020B0604020202020204" pitchFamily="34" charset="0"/>
-              </a:rPr>
-              <a:t>  </a:t>
-            </a:r>
-            <a:r>
-              <a:rPr lang="pt-PT" sz="1600" b="1" dirty="0" smtClean="0">
-                <a:latin typeface="Arial" panose="020B0604020202020204" pitchFamily="34" charset="0"/>
-                <a:cs typeface="Arial" panose="020B0604020202020204" pitchFamily="34" charset="0"/>
-              </a:rPr>
-              <a:t>Rede Man- </a:t>
-            </a:r>
-            <a:r>
-              <a:rPr lang="pt-PT" sz="1600" dirty="0" smtClean="0">
-                <a:latin typeface="Arial" panose="020B0604020202020204" pitchFamily="34" charset="0"/>
-                <a:cs typeface="Arial" panose="020B0604020202020204" pitchFamily="34" charset="0"/>
-              </a:rPr>
-              <a:t>As MAN (Metropolitan Area Network ou Redes Metropolitanas) interligam várias LAN geograficamente próximas (no máximo, há algumas dezenas de quilômetros) com débitos importantes. Assim, uma MAN permite comunicar dois pontos como se ambos fizessem parte de uma mesma rede local. Uma MAN é formada </a:t>
-            </a:r>
-            <a:r>
-              <a:rPr lang="pt-PT" sz="1600" dirty="0" smtClean="0">
-                <a:latin typeface="Arial" panose="020B0604020202020204" pitchFamily="34" charset="0"/>
-                <a:cs typeface="Arial" panose="020B0604020202020204" pitchFamily="34" charset="0"/>
-              </a:rPr>
-              <a:t>por Rodeadores</a:t>
-            </a:r>
-            <a:r>
-              <a:rPr lang="pt-PT" sz="1600" dirty="0" smtClean="0">
-                <a:latin typeface="Arial" panose="020B0604020202020204" pitchFamily="34" charset="0"/>
-                <a:cs typeface="Arial" panose="020B0604020202020204" pitchFamily="34" charset="0"/>
-              </a:rPr>
-              <a:t> ou </a:t>
-            </a:r>
-            <a:r>
-              <a:rPr lang="pt-PT" sz="1600" i="1" dirty="0" smtClean="0">
-                <a:latin typeface="Arial" panose="020B0604020202020204" pitchFamily="34" charset="0"/>
-                <a:cs typeface="Arial" panose="020B0604020202020204" pitchFamily="34" charset="0"/>
-              </a:rPr>
-              <a:t>switches</a:t>
-            </a:r>
-            <a:r>
-              <a:rPr lang="pt-PT" sz="1600" dirty="0" smtClean="0">
-                <a:latin typeface="Arial" panose="020B0604020202020204" pitchFamily="34" charset="0"/>
-                <a:cs typeface="Arial" panose="020B0604020202020204" pitchFamily="34" charset="0"/>
-              </a:rPr>
-              <a:t> interligados por conexões de débito elevado (em geral, em fibra ótica). </a:t>
-            </a:r>
-          </a:p>
-          <a:p>
-            <a:pPr>
-              <a:buFont typeface="Wingdings" panose="05000000000000000000" pitchFamily="2" charset="2"/>
-              <a:buChar char="ü"/>
-            </a:pPr>
-            <a:r>
-              <a:rPr lang="pt-PT" sz="1600" b="1" dirty="0" smtClean="0">
-                <a:latin typeface="Arial" panose="020B0604020202020204" pitchFamily="34" charset="0"/>
-                <a:cs typeface="Arial" panose="020B0604020202020204" pitchFamily="34" charset="0"/>
-              </a:rPr>
-              <a:t>Rede WAN- </a:t>
-            </a:r>
-            <a:r>
-              <a:rPr lang="pt-PT" sz="1600" b="1" dirty="0">
+              <a:t>.</a:t>
+            </a:r>
+          </a:p>
+          <a:p>
+            <a:pPr fontAlgn="base"/>
+            <a:r>
+              <a:rPr lang="pt-PT" sz="2600" dirty="0" smtClean="0">
                 <a:latin typeface="Arial" panose="020B0604020202020204" pitchFamily="34" charset="0"/>
                 <a:cs typeface="Arial" panose="020B0604020202020204" pitchFamily="34" charset="0"/>
               </a:rPr>
               <a:t> </a:t>
             </a:r>
             <a:r>
-              <a:rPr lang="pt-PT" sz="1600" dirty="0" smtClean="0">
+              <a:rPr lang="pt-PT" sz="2600" dirty="0">
                 <a:latin typeface="Arial" panose="020B0604020202020204" pitchFamily="34" charset="0"/>
                 <a:cs typeface="Arial" panose="020B0604020202020204" pitchFamily="34" charset="0"/>
               </a:rPr>
-              <a:t>Uma</a:t>
-            </a:r>
-            <a:r>
-              <a:rPr lang="pt-PT" sz="1600" dirty="0">
+              <a:t>Primeira categoria de cabos metálicos a atingir a linha de </a:t>
+            </a:r>
+            <a:r>
+              <a:rPr lang="pt-PT" sz="2600" i="1" dirty="0">
                 <a:latin typeface="Arial" panose="020B0604020202020204" pitchFamily="34" charset="0"/>
                 <a:cs typeface="Arial" panose="020B0604020202020204" pitchFamily="34" charset="0"/>
               </a:rPr>
-              <a:t> </a:t>
-            </a:r>
-            <a:r>
-              <a:rPr lang="pt-PT" sz="1600" b="1" dirty="0">
+              <a:t>gigabyte</a:t>
+            </a:r>
+            <a:r>
+              <a:rPr lang="pt-PT" sz="2600" dirty="0">
                 <a:latin typeface="Arial" panose="020B0604020202020204" pitchFamily="34" charset="0"/>
                 <a:cs typeface="Arial" panose="020B0604020202020204" pitchFamily="34" charset="0"/>
               </a:rPr>
-              <a:t>WAN</a:t>
-            </a:r>
-            <a:r>
-              <a:rPr lang="pt-PT" sz="1600" dirty="0">
+              <a:t>, o Cat.6 tornou as transmissões de dados dentro de ambientes empresariais muito mais fluentes, lógico, desde que combinados com equipamentos que supram essa velocidade. Com isso, se tornou possível integrar as mais diversas soluções em uma mesma rede estruturada, visto que mesmo os equipamentos com maior utilização de banda, não causariam lentidão na rede quando instalados com os cabos desta categoria.</a:t>
+            </a:r>
+          </a:p>
+          <a:p>
+            <a:pPr fontAlgn="base"/>
+            <a:r>
+              <a:rPr lang="pt-PT" sz="2600" b="1" dirty="0">
                 <a:latin typeface="Arial" panose="020B0604020202020204" pitchFamily="34" charset="0"/>
                 <a:cs typeface="Arial" panose="020B0604020202020204" pitchFamily="34" charset="0"/>
               </a:rPr>
-              <a:t> (Wide Area Network ou rede vasta) conecta várias LANs entre si, através de grandes distâncias geográficas. Os débitos à disposição numa WAN resultam de uma arbitragem com o custo das conexões (que aumenta com a distância) e podem ser fracas. As WAN funcionam graças a roteadores que permitem escolher o trajeto mais adequado para atingir um ponto (nó) da rede. O mais conhecido dos WAN é a </a:t>
-            </a:r>
-            <a:r>
-              <a:rPr lang="pt-PT" sz="1600" b="1" dirty="0">
+              <a:t>Banda</a:t>
+            </a:r>
+            <a:r>
+              <a:rPr lang="pt-PT" sz="2600" dirty="0">
                 <a:latin typeface="Arial" panose="020B0604020202020204" pitchFamily="34" charset="0"/>
                 <a:cs typeface="Arial" panose="020B0604020202020204" pitchFamily="34" charset="0"/>
               </a:rPr>
-              <a:t>Internet</a:t>
-            </a:r>
-            <a:r>
-              <a:rPr lang="pt-PT" sz="1600" dirty="0">
+              <a:t>: 250Mhz;</a:t>
+            </a:r>
+          </a:p>
+          <a:p>
+            <a:pPr fontAlgn="base"/>
+            <a:r>
+              <a:rPr lang="pt-PT" sz="2600" b="1" dirty="0">
                 <a:latin typeface="Arial" panose="020B0604020202020204" pitchFamily="34" charset="0"/>
                 <a:cs typeface="Arial" panose="020B0604020202020204" pitchFamily="34" charset="0"/>
               </a:rPr>
-              <a:t>.</a:t>
-            </a:r>
-            <a:endParaRPr lang="en-GB" sz="1600" dirty="0">
-              <a:latin typeface="Arial" panose="020B0604020202020204" pitchFamily="34" charset="0"/>
-              <a:cs typeface="Arial" panose="020B0604020202020204" pitchFamily="34" charset="0"/>
-            </a:endParaRPr>
+              <a:t>Velocidade: </a:t>
+            </a:r>
+            <a:r>
+              <a:rPr lang="pt-PT" sz="2600" dirty="0">
+                <a:latin typeface="Arial" panose="020B0604020202020204" pitchFamily="34" charset="0"/>
+                <a:cs typeface="Arial" panose="020B0604020202020204" pitchFamily="34" charset="0"/>
+              </a:rPr>
+              <a:t>Acima de 1Gbps;</a:t>
+            </a:r>
+          </a:p>
+          <a:p>
+            <a:pPr fontAlgn="base"/>
+            <a:r>
+              <a:rPr lang="pt-PT" sz="2600" b="1" dirty="0">
+                <a:latin typeface="Arial" panose="020B0604020202020204" pitchFamily="34" charset="0"/>
+                <a:cs typeface="Arial" panose="020B0604020202020204" pitchFamily="34" charset="0"/>
+              </a:rPr>
+              <a:t>Recomendado</a:t>
+            </a:r>
+            <a:r>
+              <a:rPr lang="pt-PT" sz="2600" dirty="0">
+                <a:latin typeface="Arial" panose="020B0604020202020204" pitchFamily="34" charset="0"/>
+                <a:cs typeface="Arial" panose="020B0604020202020204" pitchFamily="34" charset="0"/>
+              </a:rPr>
+              <a:t>: Redes estruturadas com diversas tecnologias; empresas com médio a alto tráfego de dados</a:t>
+            </a:r>
+          </a:p>
+          <a:p>
+            <a:endParaRPr lang="pt-PT" dirty="0"/>
           </a:p>
         </p:txBody>
       </p:sp>
+      <p:pic>
+        <p:nvPicPr>
+          <p:cNvPr id="4" name="Imagem 3"/>
+          <p:cNvPicPr>
+            <a:picLocks noChangeAspect="1"/>
+          </p:cNvPicPr>
+          <p:nvPr/>
+        </p:nvPicPr>
+        <p:blipFill>
+          <a:blip r:embed="rId2"/>
+          <a:stretch>
+            <a:fillRect/>
+          </a:stretch>
+        </p:blipFill>
+        <p:spPr>
+          <a:xfrm>
+            <a:off x="7822345" y="4386193"/>
+            <a:ext cx="2788504" cy="1231450"/>
+          </a:xfrm>
+          <a:prstGeom prst="rect">
+            <a:avLst/>
+          </a:prstGeom>
+        </p:spPr>
+      </p:pic>
     </p:spTree>
     <p:extLst>
       <p:ext uri="{BB962C8B-B14F-4D97-AF65-F5344CB8AC3E}">
-        <p14:creationId xmlns:p14="http://schemas.microsoft.com/office/powerpoint/2010/main" val="1907663932"/>
+        <p14:creationId xmlns:p14="http://schemas.microsoft.com/office/powerpoint/2010/main" val="4134306380"/>
       </p:ext>
     </p:extLst>
   </p:cSld>
   <p:clrMapOvr>
     <a:masterClrMapping/>
   </p:clrMapOvr>
-  <mc:AlternateContent xmlns:mc="http://schemas.openxmlformats.org/markup-compatibility/2006">
-    <mc:Choice xmlns:p14="http://schemas.microsoft.com/office/powerpoint/2010/main" Requires="p14">
+  <mc:AlternateContent xmlns:mc="http://schemas.openxmlformats.org/markup-compatibility/2006" xmlns:p14="http://schemas.microsoft.com/office/powerpoint/2010/main">
+    <mc:Choice Requires="p14">
       <p:transition spd="slow">
         <p14:prism/>
       </p:transition>
     </mc:Choice>
-    <mc:Fallback>
+    <mc:Fallback xmlns="">
       <p:transition spd="slow">
         <p:fade/>
       </p:transition>
@@ -13783,8 +13766,8 @@
         </p:nvSpPr>
         <p:spPr>
           <a:xfrm>
-            <a:off x="1087625" y="376518"/>
-            <a:ext cx="9905998" cy="753037"/>
+            <a:off x="2183802" y="478670"/>
+            <a:ext cx="6772106" cy="973614"/>
           </a:xfrm>
         </p:spPr>
         <p:txBody>
@@ -13795,7 +13778,7 @@
           <a:p>
             <a:r>
               <a:rPr lang="pt-PT" b="1" dirty="0"/>
-              <a:t>Categoria 6 (Cat.6)</a:t>
+              <a:t>Categoria 6A (Cat.6A)</a:t>
             </a:r>
             <a:r>
               <a:rPr lang="pt-PT" dirty="0"/>
@@ -13815,141 +13798,198 @@
             <a:spLocks noGrp="1"/>
           </p:cNvSpPr>
           <p:nvPr>
-            <p:ph idx="1"/>
+            <p:ph sz="half" idx="1"/>
           </p:nvPr>
         </p:nvSpPr>
         <p:spPr>
           <a:xfrm>
-            <a:off x="872471" y="1096136"/>
-            <a:ext cx="9905999" cy="5240118"/>
+            <a:off x="732288" y="1692026"/>
+            <a:ext cx="5159829" cy="2999846"/>
           </a:xfrm>
         </p:spPr>
         <p:txBody>
           <a:bodyPr>
-            <a:normAutofit fontScale="77500" lnSpcReduction="20000"/>
+            <a:normAutofit fontScale="62500" lnSpcReduction="20000"/>
           </a:bodyPr>
           <a:lstStyle/>
           <a:p>
-            <a:pPr fontAlgn="base"/>
-            <a:r>
-              <a:rPr lang="pt-PT" sz="2600" dirty="0">
+            <a:pPr algn="just"/>
+            <a:r>
+              <a:rPr lang="pt-PT" dirty="0">
                 <a:latin typeface="Arial" panose="020B0604020202020204" pitchFamily="34" charset="0"/>
                 <a:cs typeface="Arial" panose="020B0604020202020204" pitchFamily="34" charset="0"/>
               </a:rPr>
-              <a:t>Os cabos da Categoria 6 hoje são os que apresentam maior custo/benefício para redes de médio porte em empresas. São cabos de maior velocidade que os de categoria 5e, melhor blindagem entre os pares, utilizam mais material em cada via de transmissão, e tudo isso em conjunto tornam este mais rápido </a:t>
-            </a:r>
-            <a:r>
-              <a:rPr lang="pt-PT" sz="2600" dirty="0" smtClean="0">
+              <a:t>Os cabos da categoria 6A são uma linhagem aprimorada dos cabos de Categoria 6</a:t>
+            </a:r>
+            <a:r>
+              <a:rPr lang="pt-PT" dirty="0" smtClean="0">
                 <a:latin typeface="Arial" panose="020B0604020202020204" pitchFamily="34" charset="0"/>
                 <a:cs typeface="Arial" panose="020B0604020202020204" pitchFamily="34" charset="0"/>
               </a:rPr>
-              <a:t>e </a:t>
-            </a:r>
-            <a:r>
-              <a:rPr lang="pt-PT" sz="2600" dirty="0">
+              <a:t>. </a:t>
+            </a:r>
+            <a:r>
+              <a:rPr lang="pt-PT" dirty="0">
                 <a:latin typeface="Arial" panose="020B0604020202020204" pitchFamily="34" charset="0"/>
                 <a:cs typeface="Arial" panose="020B0604020202020204" pitchFamily="34" charset="0"/>
               </a:rPr>
-              <a:t>confiável</a:t>
-            </a:r>
-            <a:r>
-              <a:rPr lang="pt-PT" sz="2600" dirty="0" smtClean="0">
+              <a:t>O “A” de seu </a:t>
+            </a:r>
+            <a:r>
+              <a:rPr lang="pt-PT" dirty="0" smtClean="0">
+                <a:latin typeface="Arial" panose="020B0604020202020204" pitchFamily="34" charset="0"/>
+                <a:cs typeface="Arial" panose="020B0604020202020204" pitchFamily="34" charset="0"/>
+              </a:rPr>
+              <a:t>nome </a:t>
+            </a:r>
+            <a:r>
+              <a:rPr lang="pt-PT" dirty="0">
+                <a:latin typeface="Arial" panose="020B0604020202020204" pitchFamily="34" charset="0"/>
+                <a:cs typeface="Arial" panose="020B0604020202020204" pitchFamily="34" charset="0"/>
+              </a:rPr>
+              <a:t>significa “Augmented”, ou seja, “Ampliado</a:t>
+            </a:r>
+            <a:r>
+              <a:rPr lang="pt-PT" dirty="0" smtClean="0">
+                <a:latin typeface="Arial" panose="020B0604020202020204" pitchFamily="34" charset="0"/>
+                <a:cs typeface="Arial" panose="020B0604020202020204" pitchFamily="34" charset="0"/>
+              </a:rPr>
+              <a:t>”.</a:t>
+            </a:r>
+            <a:endParaRPr lang="pt-PT" dirty="0">
+              <a:latin typeface="Arial" panose="020B0604020202020204" pitchFamily="34" charset="0"/>
+              <a:cs typeface="Arial" panose="020B0604020202020204" pitchFamily="34" charset="0"/>
+            </a:endParaRPr>
+          </a:p>
+          <a:p>
+            <a:pPr algn="just"/>
+            <a:r>
+              <a:rPr lang="pt-PT" dirty="0">
+                <a:latin typeface="Arial" panose="020B0604020202020204" pitchFamily="34" charset="0"/>
+                <a:cs typeface="Arial" panose="020B0604020202020204" pitchFamily="34" charset="0"/>
+              </a:rPr>
+              <a:t>Devido a melhorias nos materiais de transmissão, no trancamento e na isolação tanto entre pares como entre cabos, os Cat.6A tornaram possíveis a transmissão de dados com o dobro da banda do seu antecessor, fazendo com que, assim, também fosse possível melhorar a velocidade de transmissão, além de possuir uma característica interessante, a capacidade de transmitir em lances de até 55 metros, em velocidade de 10Gbps, um marco na </a:t>
+            </a:r>
+            <a:r>
+              <a:rPr lang="pt-PT" dirty="0" smtClean="0">
+                <a:latin typeface="Arial" panose="020B0604020202020204" pitchFamily="34" charset="0"/>
+                <a:cs typeface="Arial" panose="020B0604020202020204" pitchFamily="34" charset="0"/>
+              </a:rPr>
+              <a:t>área.</a:t>
+            </a:r>
+            <a:endParaRPr lang="pt-PT" dirty="0">
+              <a:latin typeface="Arial" panose="020B0604020202020204" pitchFamily="34" charset="0"/>
+              <a:cs typeface="Arial" panose="020B0604020202020204" pitchFamily="34" charset="0"/>
+            </a:endParaRPr>
+          </a:p>
+        </p:txBody>
+      </p:sp>
+      <p:sp>
+        <p:nvSpPr>
+          <p:cNvPr id="4" name="Marcador de Posição de Conteúdo 3"/>
+          <p:cNvSpPr>
+            <a:spLocks noGrp="1"/>
+          </p:cNvSpPr>
+          <p:nvPr>
+            <p:ph sz="half" idx="2"/>
+          </p:nvPr>
+        </p:nvSpPr>
+        <p:spPr>
+          <a:xfrm>
+            <a:off x="6398061" y="1692025"/>
+            <a:ext cx="5115694" cy="3467803"/>
+          </a:xfrm>
+        </p:spPr>
+        <p:txBody>
+          <a:bodyPr>
+            <a:noAutofit/>
+          </a:bodyPr>
+          <a:lstStyle/>
+          <a:p>
+            <a:pPr algn="just"/>
+            <a:r>
+              <a:rPr lang="pt-PT" sz="1500" dirty="0">
+                <a:latin typeface="Arial" panose="020B0604020202020204" pitchFamily="34" charset="0"/>
+                <a:cs typeface="Arial" panose="020B0604020202020204" pitchFamily="34" charset="0"/>
+              </a:rPr>
+              <a:t>Sendo hoje a categoria de cabos homologada mais poderosa, esta é o topo da cadeia de cabos para Telecom, sendo indicada para aplicações mais avançadas</a:t>
+            </a:r>
+            <a:r>
+              <a:rPr lang="pt-PT" sz="1500" dirty="0" smtClean="0">
                 <a:latin typeface="Arial" panose="020B0604020202020204" pitchFamily="34" charset="0"/>
                 <a:cs typeface="Arial" panose="020B0604020202020204" pitchFamily="34" charset="0"/>
               </a:rPr>
               <a:t>.</a:t>
             </a:r>
-          </a:p>
-          <a:p>
-            <a:pPr fontAlgn="base"/>
-            <a:r>
-              <a:rPr lang="pt-PT" sz="2600" dirty="0" smtClean="0">
+            <a:endParaRPr lang="pt-PT" sz="1500" dirty="0">
+              <a:latin typeface="Arial" panose="020B0604020202020204" pitchFamily="34" charset="0"/>
+              <a:cs typeface="Arial" panose="020B0604020202020204" pitchFamily="34" charset="0"/>
+            </a:endParaRPr>
+          </a:p>
+          <a:p>
+            <a:pPr algn="just"/>
+            <a:r>
+              <a:rPr lang="pt-PT" sz="1500" dirty="0">
                 <a:latin typeface="Arial" panose="020B0604020202020204" pitchFamily="34" charset="0"/>
                 <a:cs typeface="Arial" panose="020B0604020202020204" pitchFamily="34" charset="0"/>
               </a:rPr>
-              <a:t> </a:t>
-            </a:r>
-            <a:r>
-              <a:rPr lang="pt-PT" sz="2600" dirty="0">
+              <a:t>Banda: </a:t>
+            </a:r>
+            <a:r>
+              <a:rPr lang="pt-PT" sz="1500" dirty="0" smtClean="0">
                 <a:latin typeface="Arial" panose="020B0604020202020204" pitchFamily="34" charset="0"/>
                 <a:cs typeface="Arial" panose="020B0604020202020204" pitchFamily="34" charset="0"/>
               </a:rPr>
-              <a:t>Primeira categoria de cabos metálicos a atingir a linha de </a:t>
-            </a:r>
-            <a:r>
-              <a:rPr lang="pt-PT" sz="2600" i="1" dirty="0">
+              <a:t>500Mhz</a:t>
+            </a:r>
+            <a:endParaRPr lang="pt-PT" sz="1500" dirty="0">
+              <a:latin typeface="Arial" panose="020B0604020202020204" pitchFamily="34" charset="0"/>
+              <a:cs typeface="Arial" panose="020B0604020202020204" pitchFamily="34" charset="0"/>
+            </a:endParaRPr>
+          </a:p>
+          <a:p>
+            <a:pPr algn="just"/>
+            <a:r>
+              <a:rPr lang="pt-PT" sz="1500" dirty="0">
                 <a:latin typeface="Arial" panose="020B0604020202020204" pitchFamily="34" charset="0"/>
                 <a:cs typeface="Arial" panose="020B0604020202020204" pitchFamily="34" charset="0"/>
               </a:rPr>
-              <a:t>gigabyte</a:t>
-            </a:r>
-            <a:r>
-              <a:rPr lang="pt-PT" sz="2600" dirty="0">
+              <a:t>Velocidade: 1Gbps ou 10Gbps em lances de até 55metros</a:t>
+            </a:r>
+            <a:r>
+              <a:rPr lang="pt-PT" sz="1500" dirty="0" smtClean="0">
                 <a:latin typeface="Arial" panose="020B0604020202020204" pitchFamily="34" charset="0"/>
                 <a:cs typeface="Arial" panose="020B0604020202020204" pitchFamily="34" charset="0"/>
               </a:rPr>
-              <a:t>, o Cat.6 tornou as transmissões de dados dentro de ambientes empresariais muito mais fluentes, lógico, desde que combinados com equipamentos que supram essa velocidade. Com isso, se tornou possível integrar as mais diversas soluções em uma mesma rede estruturada, visto que mesmo os equipamentos com maior utilização de banda, não causariam lentidão na rede quando instalados com os cabos desta categoria.</a:t>
-            </a:r>
-          </a:p>
-          <a:p>
-            <a:pPr fontAlgn="base"/>
-            <a:r>
-              <a:rPr lang="pt-PT" sz="2600" b="1" dirty="0">
+              <a:t>.</a:t>
+            </a:r>
+            <a:endParaRPr lang="pt-PT" sz="1500" dirty="0">
+              <a:latin typeface="Arial" panose="020B0604020202020204" pitchFamily="34" charset="0"/>
+              <a:cs typeface="Arial" panose="020B0604020202020204" pitchFamily="34" charset="0"/>
+            </a:endParaRPr>
+          </a:p>
+          <a:p>
+            <a:pPr algn="just"/>
+            <a:r>
+              <a:rPr lang="pt-PT" sz="1500" dirty="0">
                 <a:latin typeface="Arial" panose="020B0604020202020204" pitchFamily="34" charset="0"/>
                 <a:cs typeface="Arial" panose="020B0604020202020204" pitchFamily="34" charset="0"/>
               </a:rPr>
-              <a:t>Banda</a:t>
-            </a:r>
-            <a:r>
-              <a:rPr lang="pt-PT" sz="2600" dirty="0">
+              <a:t>Recomendado:  Pequenos data-centers; Call centers; Empresas com grande fluxo na rede estruturada; empresas que visam crescimento a médio ou longo prazo sem investir em troca de cabeamento</a:t>
+            </a:r>
+            <a:r>
+              <a:rPr lang="pt-PT" sz="1400" dirty="0">
                 <a:latin typeface="Arial" panose="020B0604020202020204" pitchFamily="34" charset="0"/>
                 <a:cs typeface="Arial" panose="020B0604020202020204" pitchFamily="34" charset="0"/>
               </a:rPr>
-              <a:t>: 250Mhz;</a:t>
-            </a:r>
-          </a:p>
-          <a:p>
-            <a:pPr fontAlgn="base"/>
-            <a:r>
-              <a:rPr lang="pt-PT" sz="2600" b="1" dirty="0">
-                <a:latin typeface="Arial" panose="020B0604020202020204" pitchFamily="34" charset="0"/>
-                <a:cs typeface="Arial" panose="020B0604020202020204" pitchFamily="34" charset="0"/>
-              </a:rPr>
-              <a:t>Velocidade: </a:t>
-            </a:r>
-            <a:r>
-              <a:rPr lang="pt-PT" sz="2600" dirty="0">
-                <a:latin typeface="Arial" panose="020B0604020202020204" pitchFamily="34" charset="0"/>
-                <a:cs typeface="Arial" panose="020B0604020202020204" pitchFamily="34" charset="0"/>
-              </a:rPr>
-              <a:t>Acima de 1Gbps;</a:t>
-            </a:r>
-          </a:p>
-          <a:p>
-            <a:pPr fontAlgn="base"/>
-            <a:r>
-              <a:rPr lang="pt-PT" sz="2600" b="1" dirty="0">
-                <a:latin typeface="Arial" panose="020B0604020202020204" pitchFamily="34" charset="0"/>
-                <a:cs typeface="Arial" panose="020B0604020202020204" pitchFamily="34" charset="0"/>
-              </a:rPr>
-              <a:t>Recomendado</a:t>
-            </a:r>
-            <a:r>
-              <a:rPr lang="pt-PT" sz="2600" dirty="0">
-                <a:latin typeface="Arial" panose="020B0604020202020204" pitchFamily="34" charset="0"/>
-                <a:cs typeface="Arial" panose="020B0604020202020204" pitchFamily="34" charset="0"/>
-              </a:rPr>
-              <a:t>: Redes estruturadas com diversas tecnologias; empresas com médio a alto tráfego de dados</a:t>
-            </a:r>
-          </a:p>
-          <a:p>
-            <a:endParaRPr lang="pt-PT" dirty="0"/>
+              <a:t>.</a:t>
+            </a:r>
           </a:p>
         </p:txBody>
       </p:sp>
       <p:pic>
         <p:nvPicPr>
-          <p:cNvPr id="4" name="Imagem 3"/>
+          <p:cNvPr id="5" name="Imagem 4"/>
           <p:cNvPicPr>
             <a:picLocks noChangeAspect="1"/>
           </p:cNvPicPr>
@@ -13963,8 +14003,8 @@
         </p:blipFill>
         <p:spPr>
           <a:xfrm>
-            <a:off x="7584141" y="4403866"/>
-            <a:ext cx="2788504" cy="1231450"/>
+            <a:off x="2481943" y="4830184"/>
+            <a:ext cx="3410174" cy="1840586"/>
           </a:xfrm>
           <a:prstGeom prst="rect">
             <a:avLst/>
@@ -13974,7 +14014,7 @@
     </p:spTree>
     <p:extLst>
       <p:ext uri="{BB962C8B-B14F-4D97-AF65-F5344CB8AC3E}">
-        <p14:creationId xmlns:p14="http://schemas.microsoft.com/office/powerpoint/2010/main" val="4134306380"/>
+        <p14:creationId xmlns:p14="http://schemas.microsoft.com/office/powerpoint/2010/main" val="4096627025"/>
       </p:ext>
     </p:extLst>
   </p:cSld>
@@ -13982,9 +14022,9 @@
     <a:masterClrMapping/>
   </p:clrMapOvr>
   <mc:AlternateContent xmlns:mc="http://schemas.openxmlformats.org/markup-compatibility/2006">
-    <mc:Choice xmlns:p14="http://schemas.microsoft.com/office/powerpoint/2010/main" Requires="p14">
-      <p:transition spd="slow">
-        <p14:prism/>
+    <mc:Choice xmlns:p15="http://schemas.microsoft.com/office/powerpoint/2012/main" Requires="p15">
+      <p:transition xmlns:p14="http://schemas.microsoft.com/office/powerpoint/2010/main" spd="slow" p14:dur="2000">
+        <p15:prstTrans prst="fallOver"/>
       </p:transition>
     </mc:Choice>
     <mc:Fallback>
@@ -14032,47 +14072,20 @@
         </p:nvSpPr>
         <p:spPr>
           <a:xfrm>
-            <a:off x="1141413" y="451821"/>
-            <a:ext cx="9905998" cy="1032734"/>
+            <a:off x="1366221" y="360335"/>
+            <a:ext cx="9219304" cy="693915"/>
           </a:xfrm>
         </p:spPr>
         <p:txBody>
-          <a:bodyPr>
-            <a:normAutofit/>
-          </a:bodyPr>
+          <a:bodyPr/>
           <a:lstStyle/>
           <a:p>
-            <a:pPr fontAlgn="base"/>
-            <a:r>
-              <a:rPr lang="pt-PT" sz="2400" dirty="0">
-                <a:latin typeface="Arial" panose="020B0604020202020204" pitchFamily="34" charset="0"/>
-                <a:cs typeface="Arial" panose="020B0604020202020204" pitchFamily="34" charset="0"/>
-              </a:rPr>
-              <a:t>Categoria 6A (Cat.6A)</a:t>
-            </a:r>
-            <a:r>
-              <a:rPr lang="pt-PT" sz="2400" dirty="0">
-                <a:solidFill>
-                  <a:srgbClr val="444444"/>
-                </a:solidFill>
-                <a:latin typeface="Arial" panose="020B0604020202020204" pitchFamily="34" charset="0"/>
-                <a:cs typeface="Arial" panose="020B0604020202020204" pitchFamily="34" charset="0"/>
-              </a:rPr>
-              <a:t/>
-            </a:r>
-            <a:br>
-              <a:rPr lang="pt-PT" sz="2400" dirty="0">
-                <a:solidFill>
-                  <a:srgbClr val="444444"/>
-                </a:solidFill>
-                <a:latin typeface="Arial" panose="020B0604020202020204" pitchFamily="34" charset="0"/>
-                <a:cs typeface="Arial" panose="020B0604020202020204" pitchFamily="34" charset="0"/>
-              </a:rPr>
-            </a:br>
-            <a:endParaRPr lang="pt-PT" sz="2400" dirty="0">
-              <a:latin typeface="Arial" panose="020B0604020202020204" pitchFamily="34" charset="0"/>
-              <a:cs typeface="Arial" panose="020B0604020202020204" pitchFamily="34" charset="0"/>
-            </a:endParaRPr>
+            <a:pPr algn="ctr"/>
+            <a:r>
+              <a:rPr lang="pt-PT" dirty="0"/>
+              <a:t>Tipos de rede</a:t>
+            </a:r>
+            <a:endParaRPr lang="pt-PT" dirty="0"/>
           </a:p>
         </p:txBody>
       </p:sp>
@@ -14088,8 +14101,8 @@
         </p:nvSpPr>
         <p:spPr>
           <a:xfrm>
-            <a:off x="861713" y="1184479"/>
-            <a:ext cx="9905999" cy="5194805"/>
+            <a:off x="1141413" y="1292056"/>
+            <a:ext cx="9905999" cy="4915106"/>
           </a:xfrm>
         </p:spPr>
         <p:txBody>
@@ -14099,64 +14112,150 @@
           <a:lstStyle/>
           <a:p>
             <a:r>
-              <a:rPr lang="pt-PT" dirty="0"/>
-              <a:t>Os cabos da categoria 6A são uma linhagem aprimorada dos cabos de Categoria 6. O “A” de seu nome significa “Augmented”, ou seja, “Ampliado</a:t>
-            </a:r>
-            <a:r>
-              <a:rPr lang="pt-PT" dirty="0" smtClean="0"/>
-              <a:t>”.</a:t>
-            </a:r>
-            <a:endParaRPr lang="pt-PT" dirty="0"/>
-          </a:p>
-          <a:p>
-            <a:r>
-              <a:rPr lang="pt-PT" dirty="0"/>
-              <a:t>Devido a melhorias nos materiais de transmissão, no trancamento e na isolação tanto entre pares como entre cabos, os Cat.6A tornaram possíveis a transmissão de dados com o dobro da banda do seu antecessor, fazendo com que, assim, também fosse possível melhorar a velocidade de transmissão, além de possuir uma característica interessante, a capacidade de transmitir em lances de até 55 metros, em velocidade de 10Gbps, um marco na área.</a:t>
-            </a:r>
+              <a:rPr lang="pt-PT" sz="1600" b="1" dirty="0" smtClean="0">
+                <a:latin typeface="Arial" panose="020B0604020202020204" pitchFamily="34" charset="0"/>
+                <a:cs typeface="Arial" panose="020B0604020202020204" pitchFamily="34" charset="0"/>
+              </a:rPr>
+              <a:t>LAN – </a:t>
+            </a:r>
+            <a:r>
+              <a:rPr lang="pt-PT" sz="1600" dirty="0" smtClean="0">
+                <a:latin typeface="Arial" panose="020B0604020202020204" pitchFamily="34" charset="0"/>
+                <a:cs typeface="Arial" panose="020B0604020202020204" pitchFamily="34" charset="0"/>
+              </a:rPr>
+              <a:t>Rede Local</a:t>
+            </a:r>
+          </a:p>
+          <a:p>
+            <a:r>
+              <a:rPr lang="pt-PT" sz="1400" dirty="0" smtClean="0">
+                <a:latin typeface="Arial" panose="020B0604020202020204" pitchFamily="34" charset="0"/>
+                <a:cs typeface="Arial" panose="020B0604020202020204" pitchFamily="34" charset="0"/>
+              </a:rPr>
+              <a:t>As chamadas Local Area Networks, ou Redes Locais, interligam computadores presentes dentro de um mesmo espaço físico. Isso pode acontecer dentro de uma empresa, de uma escola ou dentro da sua própria casa, sendo possível a troca de informações e recursos entre os dispositivos participantes</a:t>
+            </a:r>
+            <a:r>
+              <a:rPr lang="pt-PT" sz="1400" b="1" dirty="0" smtClean="0">
+                <a:latin typeface="Arial" panose="020B0604020202020204" pitchFamily="34" charset="0"/>
+                <a:cs typeface="Arial" panose="020B0604020202020204" pitchFamily="34" charset="0"/>
+              </a:rPr>
+              <a:t>. </a:t>
+            </a:r>
+            <a:r>
+              <a:rPr lang="pt-PT" sz="1400" dirty="0" smtClean="0">
+                <a:latin typeface="Arial" panose="020B0604020202020204" pitchFamily="34" charset="0"/>
+                <a:cs typeface="Arial" panose="020B0604020202020204" pitchFamily="34" charset="0"/>
+              </a:rPr>
+              <a:t>(Morimoto, 2008)</a:t>
+            </a:r>
+          </a:p>
+          <a:p>
+            <a:pPr algn="just"/>
+            <a:r>
+              <a:rPr lang="pt-PT" sz="1600" b="1" dirty="0">
+                <a:latin typeface="Arial" panose="020B0604020202020204" pitchFamily="34" charset="0"/>
+                <a:cs typeface="Arial" panose="020B0604020202020204" pitchFamily="34" charset="0"/>
+              </a:rPr>
+              <a:t>MAN</a:t>
+            </a:r>
+            <a:r>
+              <a:rPr lang="pt-PT" sz="1600" dirty="0">
+                <a:latin typeface="Arial" panose="020B0604020202020204" pitchFamily="34" charset="0"/>
+                <a:cs typeface="Arial" panose="020B0604020202020204" pitchFamily="34" charset="0"/>
+              </a:rPr>
+              <a:t> – Rede Metropolitana</a:t>
+            </a:r>
+          </a:p>
+          <a:p>
+            <a:r>
+              <a:rPr lang="pt-PT" sz="1500" dirty="0">
+                <a:latin typeface="Arial" panose="020B0604020202020204" pitchFamily="34" charset="0"/>
+                <a:cs typeface="Arial" panose="020B0604020202020204" pitchFamily="34" charset="0"/>
+              </a:rPr>
+              <a:t>Imaginemos, por exemplo, que uma empresa possui dois escritórios em uma mesma cidade e deseja que os computadores permaneçam interligados. Para isso existe a Metropolitan Area Network, ou Rede Metropolitana, que conecta diversas Redes Locais dentro de algumas dezenas de </a:t>
+            </a:r>
+            <a:r>
+              <a:rPr lang="pt-PT" sz="1500" dirty="0" smtClean="0">
+                <a:latin typeface="Arial" panose="020B0604020202020204" pitchFamily="34" charset="0"/>
+                <a:cs typeface="Arial" panose="020B0604020202020204" pitchFamily="34" charset="0"/>
+              </a:rPr>
+              <a:t>quilómetros</a:t>
+            </a:r>
+            <a:r>
+              <a:rPr lang="pt-PT" sz="1600" dirty="0" smtClean="0">
+                <a:latin typeface="Arial" panose="020B0604020202020204" pitchFamily="34" charset="0"/>
+                <a:cs typeface="Arial" panose="020B0604020202020204" pitchFamily="34" charset="0"/>
+              </a:rPr>
+              <a:t> </a:t>
+            </a:r>
+            <a:r>
+              <a:rPr lang="pt-PT" sz="1600" dirty="0">
+                <a:latin typeface="Arial" panose="020B0604020202020204" pitchFamily="34" charset="0"/>
+                <a:cs typeface="Arial" panose="020B0604020202020204" pitchFamily="34" charset="0"/>
+              </a:rPr>
+              <a:t>Wide Area Network, ou Rede de Longa Distância, vai um pouco além da MAN e consegue abranger uma área maior, como um país ou até mesmo um </a:t>
+            </a:r>
+            <a:r>
+              <a:rPr lang="pt-PT" sz="1600" dirty="0" smtClean="0">
+                <a:latin typeface="Arial" panose="020B0604020202020204" pitchFamily="34" charset="0"/>
+                <a:cs typeface="Arial" panose="020B0604020202020204" pitchFamily="34" charset="0"/>
+              </a:rPr>
+              <a:t>continente</a:t>
+            </a:r>
+          </a:p>
+          <a:p>
+            <a:r>
+              <a:rPr lang="pt-PT" sz="1600" b="1" dirty="0">
+                <a:latin typeface="Arial" panose="020B0604020202020204" pitchFamily="34" charset="0"/>
+                <a:cs typeface="Arial" panose="020B0604020202020204" pitchFamily="34" charset="0"/>
+              </a:rPr>
+              <a:t>WLAN</a:t>
+            </a:r>
+            <a:r>
+              <a:rPr lang="pt-PT" sz="1600" dirty="0">
+                <a:latin typeface="Arial" panose="020B0604020202020204" pitchFamily="34" charset="0"/>
+                <a:cs typeface="Arial" panose="020B0604020202020204" pitchFamily="34" charset="0"/>
+              </a:rPr>
+              <a:t> – Rede Local Sem Fio</a:t>
+            </a:r>
+          </a:p>
+          <a:p>
+            <a:pPr algn="just"/>
+            <a:r>
+              <a:rPr lang="pt-PT" sz="1600" dirty="0">
+                <a:latin typeface="Arial" panose="020B0604020202020204" pitchFamily="34" charset="0"/>
+                <a:cs typeface="Arial" panose="020B0604020202020204" pitchFamily="34" charset="0"/>
+              </a:rPr>
+              <a:t>Para quem quer acabar com os cabos, a WLAN, ou Rede Local Sem Fio, pode ser uma opção. Esse tipo de rede conecta-se à internet e é bastante usado tanto em ambientes residenciais quanto em empresas e em lugares públicos.</a:t>
+            </a:r>
+          </a:p>
+          <a:p>
+            <a:endParaRPr lang="pt-PT" sz="1500" dirty="0" smtClean="0">
+              <a:latin typeface="Arial" panose="020B0604020202020204" pitchFamily="34" charset="0"/>
+            </a:endParaRPr>
+          </a:p>
+          <a:p>
+            <a:endParaRPr lang="pt-PT" sz="1500" dirty="0"/>
           </a:p>
         </p:txBody>
       </p:sp>
-      <p:pic>
-        <p:nvPicPr>
-          <p:cNvPr id="5" name="Imagem 4"/>
-          <p:cNvPicPr>
-            <a:picLocks noChangeAspect="1"/>
-          </p:cNvPicPr>
-          <p:nvPr/>
-        </p:nvPicPr>
-        <p:blipFill>
-          <a:blip r:embed="rId2"/>
-          <a:stretch>
-            <a:fillRect/>
-          </a:stretch>
-        </p:blipFill>
-        <p:spPr>
-          <a:xfrm>
-            <a:off x="6971490" y="4948517"/>
-            <a:ext cx="2624048" cy="1333948"/>
-          </a:xfrm>
-          <a:prstGeom prst="rect">
-            <a:avLst/>
-          </a:prstGeom>
-        </p:spPr>
-      </p:pic>
     </p:spTree>
     <p:extLst>
       <p:ext uri="{BB962C8B-B14F-4D97-AF65-F5344CB8AC3E}">
-        <p14:creationId xmlns:p14="http://schemas.microsoft.com/office/powerpoint/2010/main" val="4097095760"/>
+        <p14:creationId xmlns:p14="http://schemas.microsoft.com/office/powerpoint/2010/main" val="2604901740"/>
       </p:ext>
     </p:extLst>
   </p:cSld>
   <p:clrMapOvr>
     <a:masterClrMapping/>
   </p:clrMapOvr>
-  <mc:AlternateContent xmlns:mc="http://schemas.openxmlformats.org/markup-compatibility/2006">
-    <mc:Choice xmlns:p14="http://schemas.microsoft.com/office/powerpoint/2010/main" Requires="p14">
+  <mc:AlternateContent xmlns:mc="http://schemas.openxmlformats.org/markup-compatibility/2006" xmlns:p14="http://schemas.microsoft.com/office/powerpoint/2010/main">
+    <mc:Choice Requires="p14">
       <p:transition spd="slow">
         <p14:prism/>
       </p:transition>
     </mc:Choice>
-    <mc:Fallback>
+    <mc:Fallback xmlns="">
       <p:transition spd="slow">
         <p:fade/>
       </p:transition>
@@ -14199,180 +14298,109 @@
             <p:ph type="title"/>
           </p:nvPr>
         </p:nvSpPr>
-        <p:spPr>
-          <a:xfrm>
-            <a:off x="1538675" y="575137"/>
-            <a:ext cx="8911687" cy="860445"/>
-          </a:xfrm>
-        </p:spPr>
+        <p:spPr/>
         <p:txBody>
           <a:bodyPr/>
           <a:lstStyle/>
           <a:p>
             <a:pPr algn="ctr"/>
             <a:r>
-              <a:rPr lang="en-GB" b="1" dirty="0" smtClean="0"/>
-              <a:t>Tipos de Rede</a:t>
-            </a:r>
-            <a:endParaRPr lang="en-GB" b="1" dirty="0"/>
+              <a:rPr lang="pt-PT" dirty="0" smtClean="0"/>
+              <a:t>Tipos de rede</a:t>
+            </a:r>
+            <a:endParaRPr lang="pt-PT" dirty="0"/>
           </a:p>
         </p:txBody>
       </p:sp>
       <p:pic>
         <p:nvPicPr>
-          <p:cNvPr id="6" name="Imagem 5" descr="Resultado de imagem para lan – rede local"/>
-          <p:cNvPicPr/>
+          <p:cNvPr id="5" name="Imagem 4"/>
+          <p:cNvPicPr>
+            <a:picLocks noChangeAspect="1"/>
+          </p:cNvPicPr>
           <p:nvPr/>
         </p:nvPicPr>
         <p:blipFill>
-          <a:blip r:embed="rId2">
-            <a:extLst>
-              <a:ext uri="{28A0092B-C50C-407E-A947-70E740481C1C}">
-                <a14:useLocalDpi xmlns:a14="http://schemas.microsoft.com/office/drawing/2010/main" val="0"/>
-              </a:ext>
-            </a:extLst>
-          </a:blip>
-          <a:srcRect/>
+          <a:blip r:embed="rId2"/>
           <a:stretch>
             <a:fillRect/>
           </a:stretch>
         </p:blipFill>
-        <p:spPr bwMode="auto">
-          <a:xfrm>
-            <a:off x="1742740" y="1858996"/>
-            <a:ext cx="2786230" cy="1738587"/>
-          </a:xfrm>
-          <a:prstGeom prst="rect">
-            <a:avLst/>
-          </a:prstGeom>
-          <a:noFill/>
-          <a:ln>
-            <a:noFill/>
-          </a:ln>
-        </p:spPr>
-      </p:pic>
-      <p:pic>
-        <p:nvPicPr>
-          <p:cNvPr id="7" name="Imagem 6" descr="Resultado de imagem para MAN – Rede Metropolitana"/>
-          <p:cNvPicPr/>
-          <p:nvPr/>
-        </p:nvPicPr>
-        <p:blipFill>
-          <a:blip r:embed="rId3">
-            <a:extLst>
-              <a:ext uri="{28A0092B-C50C-407E-A947-70E740481C1C}">
-                <a14:useLocalDpi xmlns:a14="http://schemas.microsoft.com/office/drawing/2010/main" val="0"/>
-              </a:ext>
-            </a:extLst>
-          </a:blip>
-          <a:srcRect/>
-          <a:stretch>
-            <a:fillRect/>
-          </a:stretch>
-        </p:blipFill>
-        <p:spPr bwMode="auto">
-          <a:xfrm>
-            <a:off x="4813356" y="4020995"/>
-            <a:ext cx="2720551" cy="2032084"/>
-          </a:xfrm>
-          <a:prstGeom prst="rect">
-            <a:avLst/>
-          </a:prstGeom>
-          <a:noFill/>
-          <a:ln>
-            <a:noFill/>
-          </a:ln>
-        </p:spPr>
-      </p:pic>
-      <p:pic>
-        <p:nvPicPr>
-          <p:cNvPr id="8" name="Imagem 7" descr="Imagem relacionada"/>
-          <p:cNvPicPr/>
-          <p:nvPr/>
-        </p:nvPicPr>
-        <p:blipFill>
-          <a:blip r:embed="rId4">
-            <a:extLst>
-              <a:ext uri="{28A0092B-C50C-407E-A947-70E740481C1C}">
-                <a14:useLocalDpi xmlns:a14="http://schemas.microsoft.com/office/drawing/2010/main" val="0"/>
-              </a:ext>
-            </a:extLst>
-          </a:blip>
-          <a:srcRect/>
-          <a:stretch>
-            <a:fillRect/>
-          </a:stretch>
-        </p:blipFill>
-        <p:spPr bwMode="auto">
-          <a:xfrm>
-            <a:off x="7533907" y="1858995"/>
-            <a:ext cx="2916455" cy="1738587"/>
-          </a:xfrm>
-          <a:prstGeom prst="rect">
-            <a:avLst/>
-          </a:prstGeom>
-          <a:noFill/>
-          <a:ln>
-            <a:noFill/>
-          </a:ln>
-        </p:spPr>
-      </p:pic>
-      <p:sp>
-        <p:nvSpPr>
-          <p:cNvPr id="3" name="Retângulo 2"/>
-          <p:cNvSpPr/>
-          <p:nvPr/>
-        </p:nvSpPr>
         <p:spPr>
           <a:xfrm>
-            <a:off x="8143538" y="3651663"/>
-            <a:ext cx="1785769" cy="369332"/>
+            <a:off x="709607" y="3001151"/>
+            <a:ext cx="2844395" cy="2065701"/>
           </a:xfrm>
           <a:prstGeom prst="rect">
             <a:avLst/>
           </a:prstGeom>
         </p:spPr>
-        <p:txBody>
-          <a:bodyPr wrap="square">
-            <a:spAutoFit/>
-          </a:bodyPr>
-          <a:lstStyle/>
-          <a:p>
-            <a:r>
-              <a:rPr lang="pt-PT" dirty="0">
-                <a:latin typeface="Arial" panose="020B0604020202020204" pitchFamily="34" charset="0"/>
-                <a:cs typeface="Arial" panose="020B0604020202020204" pitchFamily="34" charset="0"/>
-              </a:rPr>
-              <a:t> Rede </a:t>
-            </a:r>
-            <a:r>
-              <a:rPr lang="pt-PT" dirty="0" smtClean="0">
-                <a:latin typeface="Arial" panose="020B0604020202020204" pitchFamily="34" charset="0"/>
-                <a:cs typeface="Arial" panose="020B0604020202020204" pitchFamily="34" charset="0"/>
-              </a:rPr>
-              <a:t>Man </a:t>
-            </a:r>
-            <a:endParaRPr lang="pt-PT" dirty="0"/>
-          </a:p>
-        </p:txBody>
-      </p:sp>
+      </p:pic>
+      <p:pic>
+        <p:nvPicPr>
+          <p:cNvPr id="6" name="Imagem 5"/>
+          <p:cNvPicPr>
+            <a:picLocks noChangeAspect="1"/>
+          </p:cNvPicPr>
+          <p:nvPr/>
+        </p:nvPicPr>
+        <p:blipFill>
+          <a:blip r:embed="rId3"/>
+          <a:stretch>
+            <a:fillRect/>
+          </a:stretch>
+        </p:blipFill>
+        <p:spPr>
+          <a:xfrm>
+            <a:off x="4282316" y="3065580"/>
+            <a:ext cx="2796677" cy="2094808"/>
+          </a:xfrm>
+          <a:prstGeom prst="rect">
+            <a:avLst/>
+          </a:prstGeom>
+        </p:spPr>
+      </p:pic>
+      <p:pic>
+        <p:nvPicPr>
+          <p:cNvPr id="7" name="Imagem 6"/>
+          <p:cNvPicPr>
+            <a:picLocks noChangeAspect="1"/>
+          </p:cNvPicPr>
+          <p:nvPr/>
+        </p:nvPicPr>
+        <p:blipFill>
+          <a:blip r:embed="rId4"/>
+          <a:stretch>
+            <a:fillRect/>
+          </a:stretch>
+        </p:blipFill>
+        <p:spPr>
+          <a:xfrm>
+            <a:off x="8107023" y="3001151"/>
+            <a:ext cx="3156234" cy="2094808"/>
+          </a:xfrm>
+          <a:prstGeom prst="rect">
+            <a:avLst/>
+          </a:prstGeom>
+        </p:spPr>
+      </p:pic>
     </p:spTree>
     <p:extLst>
       <p:ext uri="{BB962C8B-B14F-4D97-AF65-F5344CB8AC3E}">
-        <p14:creationId xmlns:p14="http://schemas.microsoft.com/office/powerpoint/2010/main" val="3493435669"/>
+        <p14:creationId xmlns:p14="http://schemas.microsoft.com/office/powerpoint/2010/main" val="3477585707"/>
       </p:ext>
     </p:extLst>
   </p:cSld>
   <p:clrMapOvr>
     <a:masterClrMapping/>
   </p:clrMapOvr>
-  <mc:AlternateContent xmlns:mc="http://schemas.openxmlformats.org/markup-compatibility/2006">
-    <mc:Choice xmlns:p14="http://schemas.microsoft.com/office/powerpoint/2010/main" Requires="p14">
+  <mc:AlternateContent xmlns:mc="http://schemas.openxmlformats.org/markup-compatibility/2006" xmlns:p14="http://schemas.microsoft.com/office/powerpoint/2010/main">
+    <mc:Choice Requires="p14">
       <p:transition spd="slow">
         <p14:prism/>
       </p:transition>
     </mc:Choice>
-    <mc:Fallback>
+    <mc:Fallback xmlns="">
       <p:transition spd="slow">
         <p:fade/>
       </p:transition>
@@ -14704,13 +14732,13 @@
   <p:clrMapOvr>
     <a:masterClrMapping/>
   </p:clrMapOvr>
-  <mc:AlternateContent xmlns:mc="http://schemas.openxmlformats.org/markup-compatibility/2006">
-    <mc:Choice xmlns:p14="http://schemas.microsoft.com/office/powerpoint/2010/main" Requires="p14">
+  <mc:AlternateContent xmlns:mc="http://schemas.openxmlformats.org/markup-compatibility/2006" xmlns:p14="http://schemas.microsoft.com/office/powerpoint/2010/main">
+    <mc:Choice Requires="p14">
       <p:transition spd="slow">
         <p14:prism/>
       </p:transition>
     </mc:Choice>
-    <mc:Fallback>
+    <mc:Fallback xmlns="">
       <p:transition spd="slow">
         <p:fade/>
       </p:transition>
@@ -14729,7 +14757,7 @@
 <file path=ppt/theme/theme1.xml><?xml version="1.0" encoding="utf-8"?>
 <a:theme xmlns:a="http://schemas.openxmlformats.org/drawingml/2006/main" name="Circuito">
   <a:themeElements>
-    <a:clrScheme name="Vermelho">
+    <a:clrScheme name="Tons de Cinzento">
       <a:dk1>
         <a:sysClr val="windowText" lastClr="000000"/>
       </a:dk1>
@@ -14737,34 +14765,34 @@
         <a:sysClr val="window" lastClr="FFFFFF"/>
       </a:lt1>
       <a:dk2>
-        <a:srgbClr val="323232"/>
+        <a:srgbClr val="000000"/>
       </a:dk2>
       <a:lt2>
-        <a:srgbClr val="E5C243"/>
+        <a:srgbClr val="F8F8F8"/>
       </a:lt2>
       <a:accent1>
-        <a:srgbClr val="A5300F"/>
+        <a:srgbClr val="DDDDDD"/>
       </a:accent1>
       <a:accent2>
-        <a:srgbClr val="D55816"/>
+        <a:srgbClr val="B2B2B2"/>
       </a:accent2>
       <a:accent3>
-        <a:srgbClr val="E19825"/>
+        <a:srgbClr val="969696"/>
       </a:accent3>
       <a:accent4>
-        <a:srgbClr val="B19C7D"/>
+        <a:srgbClr val="808080"/>
       </a:accent4>
       <a:accent5>
-        <a:srgbClr val="7F5F52"/>
+        <a:srgbClr val="5F5F5F"/>
       </a:accent5>
       <a:accent6>
-        <a:srgbClr val="B27D49"/>
+        <a:srgbClr val="4D4D4D"/>
       </a:accent6>
       <a:hlink>
-        <a:srgbClr val="6B9F25"/>
+        <a:srgbClr val="5F5F5F"/>
       </a:hlink>
       <a:folHlink>
-        <a:srgbClr val="B26B02"/>
+        <a:srgbClr val="919191"/>
       </a:folHlink>
     </a:clrScheme>
     <a:fontScheme name="Circuito">

--- a/Trabalho Pratico.pptx
+++ b/Trabalho Pratico.pptx
@@ -4395,7 +4395,7 @@
           <a:p>
             <a:fld id="{F6EEB388-807B-4447-B979-D1202882E91D}" type="datetimeFigureOut">
               <a:rPr lang="en-GB" smtClean="0"/>
-              <a:t>25/01/2018</a:t>
+              <a:t>31/01/2018</a:t>
             </a:fld>
             <a:endParaRPr lang="en-GB"/>
           </a:p>
@@ -4681,7 +4681,7 @@
           <a:p>
             <a:fld id="{F6EEB388-807B-4447-B979-D1202882E91D}" type="datetimeFigureOut">
               <a:rPr lang="en-GB" smtClean="0"/>
-              <a:t>25/01/2018</a:t>
+              <a:t>31/01/2018</a:t>
             </a:fld>
             <a:endParaRPr lang="en-GB"/>
           </a:p>
@@ -4884,7 +4884,7 @@
           <a:p>
             <a:fld id="{F6EEB388-807B-4447-B979-D1202882E91D}" type="datetimeFigureOut">
               <a:rPr lang="en-GB" smtClean="0"/>
-              <a:t>25/01/2018</a:t>
+              <a:t>31/01/2018</a:t>
             </a:fld>
             <a:endParaRPr lang="en-GB"/>
           </a:p>
@@ -5166,7 +5166,7 @@
           <a:p>
             <a:fld id="{F6EEB388-807B-4447-B979-D1202882E91D}" type="datetimeFigureOut">
               <a:rPr lang="en-GB" smtClean="0"/>
-              <a:t>25/01/2018</a:t>
+              <a:t>31/01/2018</a:t>
             </a:fld>
             <a:endParaRPr lang="en-GB"/>
           </a:p>
@@ -5619,7 +5619,7 @@
           <a:p>
             <a:fld id="{F6EEB388-807B-4447-B979-D1202882E91D}" type="datetimeFigureOut">
               <a:rPr lang="en-GB" smtClean="0"/>
-              <a:t>25/01/2018</a:t>
+              <a:t>31/01/2018</a:t>
             </a:fld>
             <a:endParaRPr lang="en-GB"/>
           </a:p>
@@ -6184,7 +6184,7 @@
           <a:p>
             <a:fld id="{F6EEB388-807B-4447-B979-D1202882E91D}" type="datetimeFigureOut">
               <a:rPr lang="en-GB" smtClean="0"/>
-              <a:t>25/01/2018</a:t>
+              <a:t>31/01/2018</a:t>
             </a:fld>
             <a:endParaRPr lang="en-GB"/>
           </a:p>
@@ -6911,7 +6911,7 @@
           <a:p>
             <a:fld id="{F6EEB388-807B-4447-B979-D1202882E91D}" type="datetimeFigureOut">
               <a:rPr lang="en-GB" smtClean="0"/>
-              <a:t>25/01/2018</a:t>
+              <a:t>31/01/2018</a:t>
             </a:fld>
             <a:endParaRPr lang="en-GB"/>
           </a:p>
@@ -7088,7 +7088,7 @@
           <a:p>
             <a:fld id="{F6EEB388-807B-4447-B979-D1202882E91D}" type="datetimeFigureOut">
               <a:rPr lang="en-GB" smtClean="0"/>
-              <a:t>25/01/2018</a:t>
+              <a:t>31/01/2018</a:t>
             </a:fld>
             <a:endParaRPr lang="en-GB"/>
           </a:p>
@@ -7287,7 +7287,7 @@
           <a:p>
             <a:fld id="{F6EEB388-807B-4447-B979-D1202882E91D}" type="datetimeFigureOut">
               <a:rPr lang="en-GB" smtClean="0"/>
-              <a:t>25/01/2018</a:t>
+              <a:t>31/01/2018</a:t>
             </a:fld>
             <a:endParaRPr lang="en-GB"/>
           </a:p>
@@ -7476,7 +7476,7 @@
           <a:p>
             <a:fld id="{F6EEB388-807B-4447-B979-D1202882E91D}" type="datetimeFigureOut">
               <a:rPr lang="en-GB" smtClean="0"/>
-              <a:t>25/01/2018</a:t>
+              <a:t>31/01/2018</a:t>
             </a:fld>
             <a:endParaRPr lang="en-GB"/>
           </a:p>
@@ -7745,7 +7745,7 @@
           <a:p>
             <a:fld id="{F6EEB388-807B-4447-B979-D1202882E91D}" type="datetimeFigureOut">
               <a:rPr lang="en-GB" smtClean="0"/>
-              <a:t>25/01/2018</a:t>
+              <a:t>31/01/2018</a:t>
             </a:fld>
             <a:endParaRPr lang="en-GB"/>
           </a:p>
@@ -7996,7 +7996,7 @@
           <a:p>
             <a:fld id="{F6EEB388-807B-4447-B979-D1202882E91D}" type="datetimeFigureOut">
               <a:rPr lang="en-GB" smtClean="0"/>
-              <a:t>25/01/2018</a:t>
+              <a:t>31/01/2018</a:t>
             </a:fld>
             <a:endParaRPr lang="en-GB"/>
           </a:p>
@@ -8396,7 +8396,7 @@
           <a:p>
             <a:fld id="{F6EEB388-807B-4447-B979-D1202882E91D}" type="datetimeFigureOut">
               <a:rPr lang="en-GB" smtClean="0"/>
-              <a:t>25/01/2018</a:t>
+              <a:t>31/01/2018</a:t>
             </a:fld>
             <a:endParaRPr lang="en-GB"/>
           </a:p>
@@ -8533,7 +8533,7 @@
           <a:p>
             <a:fld id="{F6EEB388-807B-4447-B979-D1202882E91D}" type="datetimeFigureOut">
               <a:rPr lang="en-GB" smtClean="0"/>
-              <a:t>25/01/2018</a:t>
+              <a:t>31/01/2018</a:t>
             </a:fld>
             <a:endParaRPr lang="en-GB"/>
           </a:p>
@@ -8647,7 +8647,7 @@
           <a:p>
             <a:fld id="{F6EEB388-807B-4447-B979-D1202882E91D}" type="datetimeFigureOut">
               <a:rPr lang="en-GB" smtClean="0"/>
-              <a:t>25/01/2018</a:t>
+              <a:t>31/01/2018</a:t>
             </a:fld>
             <a:endParaRPr lang="en-GB"/>
           </a:p>
@@ -8915,7 +8915,7 @@
           <a:p>
             <a:fld id="{F6EEB388-807B-4447-B979-D1202882E91D}" type="datetimeFigureOut">
               <a:rPr lang="en-GB" smtClean="0"/>
-              <a:t>25/01/2018</a:t>
+              <a:t>31/01/2018</a:t>
             </a:fld>
             <a:endParaRPr lang="en-GB"/>
           </a:p>
@@ -9214,7 +9214,7 @@
           <a:p>
             <a:fld id="{F6EEB388-807B-4447-B979-D1202882E91D}" type="datetimeFigureOut">
               <a:rPr lang="en-GB" smtClean="0"/>
-              <a:t>25/01/2018</a:t>
+              <a:t>31/01/2018</a:t>
             </a:fld>
             <a:endParaRPr lang="en-GB"/>
           </a:p>
@@ -12310,7 +12310,7 @@
           <a:p>
             <a:fld id="{F6EEB388-807B-4447-B979-D1202882E91D}" type="datetimeFigureOut">
               <a:rPr lang="en-GB" smtClean="0"/>
-              <a:t>25/01/2018</a:t>
+              <a:t>31/01/2018</a:t>
             </a:fld>
             <a:endParaRPr lang="en-GB"/>
           </a:p>
@@ -12953,13 +12953,13 @@
   <p:clrMapOvr>
     <a:masterClrMapping/>
   </p:clrMapOvr>
-  <mc:AlternateContent xmlns:mc="http://schemas.openxmlformats.org/markup-compatibility/2006">
-    <mc:Choice xmlns:p15="http://schemas.microsoft.com/office/powerpoint/2012/main" Requires="p15">
+  <mc:AlternateContent xmlns:mc="http://schemas.openxmlformats.org/markup-compatibility/2006" xmlns:p15="http://schemas.microsoft.com/office/powerpoint/2012/main">
+    <mc:Choice Requires="p15">
       <p:transition xmlns:p14="http://schemas.microsoft.com/office/powerpoint/2010/main" spd="slow" p14:dur="6000">
         <p15:prstTrans prst="curtains"/>
       </p:transition>
     </mc:Choice>
-    <mc:Fallback>
+    <mc:Fallback xmlns="">
       <p:transition spd="slow">
         <p:fade/>
       </p:transition>
@@ -13086,14 +13086,7 @@
                 <a:latin typeface="Arial" panose="020B0604020202020204" pitchFamily="34" charset="0"/>
                 <a:cs typeface="Arial" panose="020B0604020202020204" pitchFamily="34" charset="0"/>
               </a:rPr>
-              <a:t>   </a:t>
-            </a:r>
-            <a:r>
-              <a:rPr lang="pt-PT" sz="1600" b="1" dirty="0" smtClean="0">
-                <a:latin typeface="Arial" panose="020B0604020202020204" pitchFamily="34" charset="0"/>
-                <a:cs typeface="Arial" panose="020B0604020202020204" pitchFamily="34" charset="0"/>
-              </a:rPr>
-              <a:t>com </a:t>
+              <a:t>   com </a:t>
             </a:r>
             <a:r>
               <a:rPr lang="pt-PT" sz="1600" b="1" dirty="0">
@@ -13217,7 +13210,28 @@
                 <a:latin typeface="Arial" panose="020B0604020202020204" pitchFamily="34" charset="0"/>
                 <a:cs typeface="Arial" panose="020B0604020202020204" pitchFamily="34" charset="0"/>
               </a:rPr>
-              <a:t>Recomendado: Voip ou telefonia analógica.</a:t>
+              <a:t>Recomendado: </a:t>
+            </a:r>
+            <a:r>
+              <a:rPr lang="pt-PT" sz="1600" b="1" dirty="0" err="1" smtClean="0">
+                <a:latin typeface="Arial" panose="020B0604020202020204" pitchFamily="34" charset="0"/>
+                <a:cs typeface="Arial" panose="020B0604020202020204" pitchFamily="34" charset="0"/>
+              </a:rPr>
+              <a:t>Volp</a:t>
+            </a:r>
+            <a:r>
+              <a:rPr lang="pt-PT" sz="1600" b="1" dirty="0" smtClean="0">
+                <a:latin typeface="Arial" panose="020B0604020202020204" pitchFamily="34" charset="0"/>
+                <a:cs typeface="Arial" panose="020B0604020202020204" pitchFamily="34" charset="0"/>
+              </a:rPr>
+              <a:t> </a:t>
+            </a:r>
+            <a:r>
+              <a:rPr lang="pt-PT" sz="1600" b="1" dirty="0">
+                <a:latin typeface="Arial" panose="020B0604020202020204" pitchFamily="34" charset="0"/>
+                <a:cs typeface="Arial" panose="020B0604020202020204" pitchFamily="34" charset="0"/>
+              </a:rPr>
+              <a:t>ou telefonia analógica.</a:t>
             </a:r>
             <a:endParaRPr lang="en-GB" sz="1600" dirty="0"/>
           </a:p>
@@ -13239,7 +13253,7 @@
         </p:blipFill>
         <p:spPr>
           <a:xfrm>
-            <a:off x="6648993" y="4539751"/>
+            <a:off x="6616720" y="4744147"/>
             <a:ext cx="2886892" cy="1514475"/>
           </a:xfrm>
           <a:prstGeom prst="rect">
@@ -13257,11 +13271,11 @@
   <p:clrMapOvr>
     <a:masterClrMapping/>
   </p:clrMapOvr>
-  <mc:AlternateContent xmlns:mc="http://schemas.openxmlformats.org/markup-compatibility/2006">
-    <mc:Choice xmlns:p14="http://schemas.microsoft.com/office/powerpoint/2010/main" Requires="p14">
+  <mc:AlternateContent xmlns:mc="http://schemas.openxmlformats.org/markup-compatibility/2006" xmlns:p14="http://schemas.microsoft.com/office/powerpoint/2010/main">
+    <mc:Choice Requires="p14">
       <p:transition p14:dur="0"/>
     </mc:Choice>
-    <mc:Fallback>
+    <mc:Fallback xmlns="">
       <p:transition/>
     </mc:Fallback>
   </mc:AlternateContent>
@@ -14021,13 +14035,13 @@
   <p:clrMapOvr>
     <a:masterClrMapping/>
   </p:clrMapOvr>
-  <mc:AlternateContent xmlns:mc="http://schemas.openxmlformats.org/markup-compatibility/2006">
-    <mc:Choice xmlns:p15="http://schemas.microsoft.com/office/powerpoint/2012/main" Requires="p15">
+  <mc:AlternateContent xmlns:mc="http://schemas.openxmlformats.org/markup-compatibility/2006" xmlns:p15="http://schemas.microsoft.com/office/powerpoint/2012/main">
+    <mc:Choice Requires="p15">
       <p:transition xmlns:p14="http://schemas.microsoft.com/office/powerpoint/2010/main" spd="slow" p14:dur="2000">
         <p15:prstTrans prst="fallOver"/>
       </p:transition>
     </mc:Choice>
-    <mc:Fallback>
+    <mc:Fallback xmlns="">
       <p:transition spd="slow">
         <p:fade/>
       </p:transition>
@@ -14085,7 +14099,6 @@
               <a:rPr lang="pt-PT" dirty="0"/>
               <a:t>Tipos de rede</a:t>
             </a:r>
-            <a:endParaRPr lang="pt-PT" dirty="0"/>
           </a:p>
         </p:txBody>
       </p:sp>
